--- a/work/internet_programing/Test_final/public/인터넷 프로그래밍 스토리보드 과제.pptx
+++ b/work/internet_programing/Test_final/public/인터넷 프로그래밍 스토리보드 과제.pptx
@@ -6,7 +6,7 @@
     <p:sldMasterId id="2147483648" r:id="rId2"/>
   </p:sldMasterIdLst>
   <p:notesMasterIdLst>
-    <p:notesMasterId r:id="rId12"/>
+    <p:notesMasterId r:id="rId10"/>
   </p:notesMasterIdLst>
   <p:sldIdLst>
     <p:sldId id="318" r:id="rId3"/>
@@ -14,10 +14,8 @@
     <p:sldId id="325" r:id="rId5"/>
     <p:sldId id="327" r:id="rId6"/>
     <p:sldId id="326" r:id="rId7"/>
-    <p:sldId id="322" r:id="rId8"/>
-    <p:sldId id="323" r:id="rId9"/>
-    <p:sldId id="324" r:id="rId10"/>
-    <p:sldId id="319" r:id="rId11"/>
+    <p:sldId id="328" r:id="rId8"/>
+    <p:sldId id="319" r:id="rId9"/>
   </p:sldIdLst>
   <p:sldSz cx="9144000" cy="5143500" type="screen16x9"/>
   <p:notesSz cx="6797675" cy="9874250"/>
@@ -1917,7 +1915,7 @@
         <p:cNvPr id="1" name="">
           <a:extLst>
             <a:ext uri="{FF2B5EF4-FFF2-40B4-BE49-F238E27FC236}">
-              <a16:creationId xmlns:a16="http://schemas.microsoft.com/office/drawing/2014/main" id="{C6E4F33F-997A-76BF-D346-75A8A71636FE}"/>
+              <a16:creationId xmlns:a16="http://schemas.microsoft.com/office/drawing/2014/main" id="{A64F80A1-9C24-CD2E-D8B8-0CA966BFA9E9}"/>
             </a:ext>
           </a:extLst>
         </p:cNvPr>
@@ -1937,7 +1935,7 @@
           <p:cNvPr id="8194" name="슬라이드 이미지 개체 틀 1">
             <a:extLst>
               <a:ext uri="{FF2B5EF4-FFF2-40B4-BE49-F238E27FC236}">
-                <a16:creationId xmlns:a16="http://schemas.microsoft.com/office/drawing/2014/main" id="{7E35F031-EDBA-F70C-CFED-2CCD8B32BDB1}"/>
+                <a16:creationId xmlns:a16="http://schemas.microsoft.com/office/drawing/2014/main" id="{73B55D6A-7341-3924-9720-29F33BF4DB70}"/>
               </a:ext>
             </a:extLst>
           </p:cNvPr>
@@ -1961,7 +1959,7 @@
           <p:cNvPr id="8195" name="슬라이드 노트 개체 틀 2">
             <a:extLst>
               <a:ext uri="{FF2B5EF4-FFF2-40B4-BE49-F238E27FC236}">
-                <a16:creationId xmlns:a16="http://schemas.microsoft.com/office/drawing/2014/main" id="{0175CB9C-9CA0-E3D3-05F3-B1E1D5C2CBF7}"/>
+                <a16:creationId xmlns:a16="http://schemas.microsoft.com/office/drawing/2014/main" id="{17940C92-1443-1913-DF03-28D854548063}"/>
               </a:ext>
             </a:extLst>
           </p:cNvPr>
@@ -2008,7 +2006,7 @@
           <p:cNvPr id="8196" name="슬라이드 번호 개체 틀 3">
             <a:extLst>
               <a:ext uri="{FF2B5EF4-FFF2-40B4-BE49-F238E27FC236}">
-                <a16:creationId xmlns:a16="http://schemas.microsoft.com/office/drawing/2014/main" id="{893085E2-7F65-4918-5F0C-8B90EBD94D29}"/>
+                <a16:creationId xmlns:a16="http://schemas.microsoft.com/office/drawing/2014/main" id="{F8AAD6B8-01A7-ECFE-83C5-BC77E20E1445}"/>
               </a:ext>
             </a:extLst>
           </p:cNvPr>
@@ -2165,539 +2163,7 @@
     </p:spTree>
     <p:extLst>
       <p:ext uri="{BB962C8B-B14F-4D97-AF65-F5344CB8AC3E}">
-        <p14:creationId xmlns:p14="http://schemas.microsoft.com/office/powerpoint/2010/main" val="186274021"/>
-      </p:ext>
-    </p:extLst>
-  </p:cSld>
-  <p:clrMapOvr>
-    <a:masterClrMapping/>
-  </p:clrMapOvr>
-</p:notes>
-</file>
-
-<file path=ppt/notesSlides/notesSlide7.xml><?xml version="1.0" encoding="utf-8"?>
-<p:notes xmlns:a="http://schemas.openxmlformats.org/drawingml/2006/main" xmlns:r="http://schemas.openxmlformats.org/officeDocument/2006/relationships" xmlns:p="http://schemas.openxmlformats.org/presentationml/2006/main">
-  <p:cSld>
-    <p:spTree>
-      <p:nvGrpSpPr>
-        <p:cNvPr id="1" name="">
-          <a:extLst>
-            <a:ext uri="{FF2B5EF4-FFF2-40B4-BE49-F238E27FC236}">
-              <a16:creationId xmlns:a16="http://schemas.microsoft.com/office/drawing/2014/main" id="{D50281B9-00B2-4963-ECCA-641B158FA6DE}"/>
-            </a:ext>
-          </a:extLst>
-        </p:cNvPr>
-        <p:cNvGrpSpPr/>
-        <p:nvPr/>
-      </p:nvGrpSpPr>
-      <p:grpSpPr>
-        <a:xfrm>
-          <a:off x="0" y="0"/>
-          <a:ext cx="0" cy="0"/>
-          <a:chOff x="0" y="0"/>
-          <a:chExt cx="0" cy="0"/>
-        </a:xfrm>
-      </p:grpSpPr>
-      <p:sp>
-        <p:nvSpPr>
-          <p:cNvPr id="8194" name="슬라이드 이미지 개체 틀 1">
-            <a:extLst>
-              <a:ext uri="{FF2B5EF4-FFF2-40B4-BE49-F238E27FC236}">
-                <a16:creationId xmlns:a16="http://schemas.microsoft.com/office/drawing/2014/main" id="{00C8A9E4-37C2-D9E9-69D5-4A3EDD08DF76}"/>
-              </a:ext>
-            </a:extLst>
-          </p:cNvPr>
-          <p:cNvSpPr>
-            <a:spLocks noGrp="1" noRot="1" noChangeAspect="1" noTextEdit="1"/>
-          </p:cNvSpPr>
-          <p:nvPr>
-            <p:ph type="sldImg"/>
-          </p:nvPr>
-        </p:nvSpPr>
-        <p:spPr>
-          <a:xfrm>
-            <a:off x="139700" y="762000"/>
-            <a:ext cx="6502400" cy="3657600"/>
-          </a:xfrm>
-          <a:ln/>
-        </p:spPr>
-      </p:sp>
-      <p:sp>
-        <p:nvSpPr>
-          <p:cNvPr id="8195" name="슬라이드 노트 개체 틀 2">
-            <a:extLst>
-              <a:ext uri="{FF2B5EF4-FFF2-40B4-BE49-F238E27FC236}">
-                <a16:creationId xmlns:a16="http://schemas.microsoft.com/office/drawing/2014/main" id="{778604AF-FB83-0AFB-3977-9B6C7088EFA3}"/>
-              </a:ext>
-            </a:extLst>
-          </p:cNvPr>
-          <p:cNvSpPr>
-            <a:spLocks noGrp="1"/>
-          </p:cNvSpPr>
-          <p:nvPr>
-            <p:ph type="body" idx="1"/>
-          </p:nvPr>
-        </p:nvSpPr>
-        <p:spPr>
-          <a:noFill/>
-          <a:ln/>
-          <a:extLst>
-            <a:ext uri="{909E8E84-426E-40DD-AFC4-6F175D3DCCD1}">
-              <a14:hiddenFill xmlns:a14="http://schemas.microsoft.com/office/drawing/2010/main">
-                <a:solidFill>
-                  <a:srgbClr val="FFFFFF"/>
-                </a:solidFill>
-              </a14:hiddenFill>
-            </a:ext>
-            <a:ext uri="{91240B29-F687-4F45-9708-019B960494DF}">
-              <a14:hiddenLine xmlns:a14="http://schemas.microsoft.com/office/drawing/2010/main" w="9525">
-                <a:solidFill>
-                  <a:srgbClr val="000000"/>
-                </a:solidFill>
-                <a:miter lim="800000"/>
-                <a:headEnd/>
-                <a:tailEnd/>
-              </a14:hiddenLine>
-            </a:ext>
-          </a:extLst>
-        </p:spPr>
-        <p:txBody>
-          <a:bodyPr/>
-          <a:lstStyle/>
-          <a:p>
-            <a:endParaRPr lang="ko-KR" altLang="en-US"/>
-          </a:p>
-        </p:txBody>
-      </p:sp>
-      <p:sp>
-        <p:nvSpPr>
-          <p:cNvPr id="8196" name="슬라이드 번호 개체 틀 3">
-            <a:extLst>
-              <a:ext uri="{FF2B5EF4-FFF2-40B4-BE49-F238E27FC236}">
-                <a16:creationId xmlns:a16="http://schemas.microsoft.com/office/drawing/2014/main" id="{4FEB1F66-A408-27AC-79A7-C8960AD125C7}"/>
-              </a:ext>
-            </a:extLst>
-          </p:cNvPr>
-          <p:cNvSpPr>
-            <a:spLocks noGrp="1"/>
-          </p:cNvSpPr>
-          <p:nvPr>
-            <p:ph type="sldNum" sz="quarter" idx="5"/>
-          </p:nvPr>
-        </p:nvSpPr>
-        <p:spPr>
-          <a:noFill/>
-          <a:ln/>
-          <a:extLst>
-            <a:ext uri="{909E8E84-426E-40DD-AFC4-6F175D3DCCD1}">
-              <a14:hiddenFill xmlns:a14="http://schemas.microsoft.com/office/drawing/2010/main">
-                <a:solidFill>
-                  <a:srgbClr val="FFFFFF"/>
-                </a:solidFill>
-              </a14:hiddenFill>
-            </a:ext>
-            <a:ext uri="{91240B29-F687-4F45-9708-019B960494DF}">
-              <a14:hiddenLine xmlns:a14="http://schemas.microsoft.com/office/drawing/2010/main" w="9525">
-                <a:solidFill>
-                  <a:srgbClr val="000000"/>
-                </a:solidFill>
-                <a:miter lim="800000"/>
-                <a:headEnd/>
-                <a:tailEnd/>
-              </a14:hiddenLine>
-            </a:ext>
-          </a:extLst>
-        </p:spPr>
-        <p:txBody>
-          <a:bodyPr/>
-          <a:lstStyle>
-            <a:lvl1pPr eaLnBrk="0" hangingPunct="0">
-              <a:defRPr kumimoji="1" sz="800">
-                <a:solidFill>
-                  <a:schemeClr val="tx1"/>
-                </a:solidFill>
-                <a:latin typeface="굴림" pitchFamily="50" charset="-127"/>
-                <a:ea typeface="굴림" pitchFamily="50" charset="-127"/>
-              </a:defRPr>
-            </a:lvl1pPr>
-            <a:lvl2pPr marL="742950" indent="-285750" eaLnBrk="0" hangingPunct="0">
-              <a:defRPr kumimoji="1" sz="800">
-                <a:solidFill>
-                  <a:schemeClr val="tx1"/>
-                </a:solidFill>
-                <a:latin typeface="굴림" pitchFamily="50" charset="-127"/>
-                <a:ea typeface="굴림" pitchFamily="50" charset="-127"/>
-              </a:defRPr>
-            </a:lvl2pPr>
-            <a:lvl3pPr marL="1143000" indent="-228600" eaLnBrk="0" hangingPunct="0">
-              <a:defRPr kumimoji="1" sz="800">
-                <a:solidFill>
-                  <a:schemeClr val="tx1"/>
-                </a:solidFill>
-                <a:latin typeface="굴림" pitchFamily="50" charset="-127"/>
-                <a:ea typeface="굴림" pitchFamily="50" charset="-127"/>
-              </a:defRPr>
-            </a:lvl3pPr>
-            <a:lvl4pPr marL="1600200" indent="-228600" eaLnBrk="0" hangingPunct="0">
-              <a:defRPr kumimoji="1" sz="800">
-                <a:solidFill>
-                  <a:schemeClr val="tx1"/>
-                </a:solidFill>
-                <a:latin typeface="굴림" pitchFamily="50" charset="-127"/>
-                <a:ea typeface="굴림" pitchFamily="50" charset="-127"/>
-              </a:defRPr>
-            </a:lvl4pPr>
-            <a:lvl5pPr marL="2057400" indent="-228600" eaLnBrk="0" hangingPunct="0">
-              <a:defRPr kumimoji="1" sz="800">
-                <a:solidFill>
-                  <a:schemeClr val="tx1"/>
-                </a:solidFill>
-                <a:latin typeface="굴림" pitchFamily="50" charset="-127"/>
-                <a:ea typeface="굴림" pitchFamily="50" charset="-127"/>
-              </a:defRPr>
-            </a:lvl5pPr>
-            <a:lvl6pPr marL="2514600" indent="-228600" algn="ctr" eaLnBrk="0" fontAlgn="base" hangingPunct="0">
-              <a:spcBef>
-                <a:spcPct val="50000"/>
-              </a:spcBef>
-              <a:spcAft>
-                <a:spcPct val="0"/>
-              </a:spcAft>
-              <a:defRPr kumimoji="1" sz="800">
-                <a:solidFill>
-                  <a:schemeClr val="tx1"/>
-                </a:solidFill>
-                <a:latin typeface="굴림" pitchFamily="50" charset="-127"/>
-                <a:ea typeface="굴림" pitchFamily="50" charset="-127"/>
-              </a:defRPr>
-            </a:lvl6pPr>
-            <a:lvl7pPr marL="2971800" indent="-228600" algn="ctr" eaLnBrk="0" fontAlgn="base" hangingPunct="0">
-              <a:spcBef>
-                <a:spcPct val="50000"/>
-              </a:spcBef>
-              <a:spcAft>
-                <a:spcPct val="0"/>
-              </a:spcAft>
-              <a:defRPr kumimoji="1" sz="800">
-                <a:solidFill>
-                  <a:schemeClr val="tx1"/>
-                </a:solidFill>
-                <a:latin typeface="굴림" pitchFamily="50" charset="-127"/>
-                <a:ea typeface="굴림" pitchFamily="50" charset="-127"/>
-              </a:defRPr>
-            </a:lvl7pPr>
-            <a:lvl8pPr marL="3429000" indent="-228600" algn="ctr" eaLnBrk="0" fontAlgn="base" hangingPunct="0">
-              <a:spcBef>
-                <a:spcPct val="50000"/>
-              </a:spcBef>
-              <a:spcAft>
-                <a:spcPct val="0"/>
-              </a:spcAft>
-              <a:defRPr kumimoji="1" sz="800">
-                <a:solidFill>
-                  <a:schemeClr val="tx1"/>
-                </a:solidFill>
-                <a:latin typeface="굴림" pitchFamily="50" charset="-127"/>
-                <a:ea typeface="굴림" pitchFamily="50" charset="-127"/>
-              </a:defRPr>
-            </a:lvl8pPr>
-            <a:lvl9pPr marL="3886200" indent="-228600" algn="ctr" eaLnBrk="0" fontAlgn="base" hangingPunct="0">
-              <a:spcBef>
-                <a:spcPct val="50000"/>
-              </a:spcBef>
-              <a:spcAft>
-                <a:spcPct val="0"/>
-              </a:spcAft>
-              <a:defRPr kumimoji="1" sz="800">
-                <a:solidFill>
-                  <a:schemeClr val="tx1"/>
-                </a:solidFill>
-                <a:latin typeface="굴림" pitchFamily="50" charset="-127"/>
-                <a:ea typeface="굴림" pitchFamily="50" charset="-127"/>
-              </a:defRPr>
-            </a:lvl9pPr>
-          </a:lstStyle>
-          <a:p>
-            <a:pPr eaLnBrk="1" hangingPunct="1"/>
-            <a:fld id="{7C7BEF8E-1090-4BE2-B83A-7BD8D87454BE}" type="slidenum">
-              <a:rPr lang="en-US" altLang="ko-KR" sz="1200" smtClean="0"/>
-              <a:pPr eaLnBrk="1" hangingPunct="1"/>
-              <a:t>7</a:t>
-            </a:fld>
-            <a:endParaRPr lang="en-US" altLang="ko-KR" sz="1200"/>
-          </a:p>
-        </p:txBody>
-      </p:sp>
-    </p:spTree>
-    <p:extLst>
-      <p:ext uri="{BB962C8B-B14F-4D97-AF65-F5344CB8AC3E}">
-        <p14:creationId xmlns:p14="http://schemas.microsoft.com/office/powerpoint/2010/main" val="1366670571"/>
-      </p:ext>
-    </p:extLst>
-  </p:cSld>
-  <p:clrMapOvr>
-    <a:masterClrMapping/>
-  </p:clrMapOvr>
-</p:notes>
-</file>
-
-<file path=ppt/notesSlides/notesSlide8.xml><?xml version="1.0" encoding="utf-8"?>
-<p:notes xmlns:a="http://schemas.openxmlformats.org/drawingml/2006/main" xmlns:r="http://schemas.openxmlformats.org/officeDocument/2006/relationships" xmlns:p="http://schemas.openxmlformats.org/presentationml/2006/main">
-  <p:cSld>
-    <p:spTree>
-      <p:nvGrpSpPr>
-        <p:cNvPr id="1" name="">
-          <a:extLst>
-            <a:ext uri="{FF2B5EF4-FFF2-40B4-BE49-F238E27FC236}">
-              <a16:creationId xmlns:a16="http://schemas.microsoft.com/office/drawing/2014/main" id="{5904ABF2-CC1C-CC85-F8CA-3102CCAC3041}"/>
-            </a:ext>
-          </a:extLst>
-        </p:cNvPr>
-        <p:cNvGrpSpPr/>
-        <p:nvPr/>
-      </p:nvGrpSpPr>
-      <p:grpSpPr>
-        <a:xfrm>
-          <a:off x="0" y="0"/>
-          <a:ext cx="0" cy="0"/>
-          <a:chOff x="0" y="0"/>
-          <a:chExt cx="0" cy="0"/>
-        </a:xfrm>
-      </p:grpSpPr>
-      <p:sp>
-        <p:nvSpPr>
-          <p:cNvPr id="8194" name="슬라이드 이미지 개체 틀 1">
-            <a:extLst>
-              <a:ext uri="{FF2B5EF4-FFF2-40B4-BE49-F238E27FC236}">
-                <a16:creationId xmlns:a16="http://schemas.microsoft.com/office/drawing/2014/main" id="{660D0988-B6A1-056A-BBDD-B2651989188E}"/>
-              </a:ext>
-            </a:extLst>
-          </p:cNvPr>
-          <p:cNvSpPr>
-            <a:spLocks noGrp="1" noRot="1" noChangeAspect="1" noTextEdit="1"/>
-          </p:cNvSpPr>
-          <p:nvPr>
-            <p:ph type="sldImg"/>
-          </p:nvPr>
-        </p:nvSpPr>
-        <p:spPr>
-          <a:xfrm>
-            <a:off x="139700" y="762000"/>
-            <a:ext cx="6502400" cy="3657600"/>
-          </a:xfrm>
-          <a:ln/>
-        </p:spPr>
-      </p:sp>
-      <p:sp>
-        <p:nvSpPr>
-          <p:cNvPr id="8195" name="슬라이드 노트 개체 틀 2">
-            <a:extLst>
-              <a:ext uri="{FF2B5EF4-FFF2-40B4-BE49-F238E27FC236}">
-                <a16:creationId xmlns:a16="http://schemas.microsoft.com/office/drawing/2014/main" id="{78A08547-5C74-DAB9-956F-25F140A8C218}"/>
-              </a:ext>
-            </a:extLst>
-          </p:cNvPr>
-          <p:cNvSpPr>
-            <a:spLocks noGrp="1"/>
-          </p:cNvSpPr>
-          <p:nvPr>
-            <p:ph type="body" idx="1"/>
-          </p:nvPr>
-        </p:nvSpPr>
-        <p:spPr>
-          <a:noFill/>
-          <a:ln/>
-          <a:extLst>
-            <a:ext uri="{909E8E84-426E-40DD-AFC4-6F175D3DCCD1}">
-              <a14:hiddenFill xmlns:a14="http://schemas.microsoft.com/office/drawing/2010/main">
-                <a:solidFill>
-                  <a:srgbClr val="FFFFFF"/>
-                </a:solidFill>
-              </a14:hiddenFill>
-            </a:ext>
-            <a:ext uri="{91240B29-F687-4F45-9708-019B960494DF}">
-              <a14:hiddenLine xmlns:a14="http://schemas.microsoft.com/office/drawing/2010/main" w="9525">
-                <a:solidFill>
-                  <a:srgbClr val="000000"/>
-                </a:solidFill>
-                <a:miter lim="800000"/>
-                <a:headEnd/>
-                <a:tailEnd/>
-              </a14:hiddenLine>
-            </a:ext>
-          </a:extLst>
-        </p:spPr>
-        <p:txBody>
-          <a:bodyPr/>
-          <a:lstStyle/>
-          <a:p>
-            <a:endParaRPr lang="ko-KR" altLang="en-US"/>
-          </a:p>
-        </p:txBody>
-      </p:sp>
-      <p:sp>
-        <p:nvSpPr>
-          <p:cNvPr id="8196" name="슬라이드 번호 개체 틀 3">
-            <a:extLst>
-              <a:ext uri="{FF2B5EF4-FFF2-40B4-BE49-F238E27FC236}">
-                <a16:creationId xmlns:a16="http://schemas.microsoft.com/office/drawing/2014/main" id="{C7EDED7C-F189-02D0-5A63-43D1419C8EA5}"/>
-              </a:ext>
-            </a:extLst>
-          </p:cNvPr>
-          <p:cNvSpPr>
-            <a:spLocks noGrp="1"/>
-          </p:cNvSpPr>
-          <p:nvPr>
-            <p:ph type="sldNum" sz="quarter" idx="5"/>
-          </p:nvPr>
-        </p:nvSpPr>
-        <p:spPr>
-          <a:noFill/>
-          <a:ln/>
-          <a:extLst>
-            <a:ext uri="{909E8E84-426E-40DD-AFC4-6F175D3DCCD1}">
-              <a14:hiddenFill xmlns:a14="http://schemas.microsoft.com/office/drawing/2010/main">
-                <a:solidFill>
-                  <a:srgbClr val="FFFFFF"/>
-                </a:solidFill>
-              </a14:hiddenFill>
-            </a:ext>
-            <a:ext uri="{91240B29-F687-4F45-9708-019B960494DF}">
-              <a14:hiddenLine xmlns:a14="http://schemas.microsoft.com/office/drawing/2010/main" w="9525">
-                <a:solidFill>
-                  <a:srgbClr val="000000"/>
-                </a:solidFill>
-                <a:miter lim="800000"/>
-                <a:headEnd/>
-                <a:tailEnd/>
-              </a14:hiddenLine>
-            </a:ext>
-          </a:extLst>
-        </p:spPr>
-        <p:txBody>
-          <a:bodyPr/>
-          <a:lstStyle>
-            <a:lvl1pPr eaLnBrk="0" hangingPunct="0">
-              <a:defRPr kumimoji="1" sz="800">
-                <a:solidFill>
-                  <a:schemeClr val="tx1"/>
-                </a:solidFill>
-                <a:latin typeface="굴림" pitchFamily="50" charset="-127"/>
-                <a:ea typeface="굴림" pitchFamily="50" charset="-127"/>
-              </a:defRPr>
-            </a:lvl1pPr>
-            <a:lvl2pPr marL="742950" indent="-285750" eaLnBrk="0" hangingPunct="0">
-              <a:defRPr kumimoji="1" sz="800">
-                <a:solidFill>
-                  <a:schemeClr val="tx1"/>
-                </a:solidFill>
-                <a:latin typeface="굴림" pitchFamily="50" charset="-127"/>
-                <a:ea typeface="굴림" pitchFamily="50" charset="-127"/>
-              </a:defRPr>
-            </a:lvl2pPr>
-            <a:lvl3pPr marL="1143000" indent="-228600" eaLnBrk="0" hangingPunct="0">
-              <a:defRPr kumimoji="1" sz="800">
-                <a:solidFill>
-                  <a:schemeClr val="tx1"/>
-                </a:solidFill>
-                <a:latin typeface="굴림" pitchFamily="50" charset="-127"/>
-                <a:ea typeface="굴림" pitchFamily="50" charset="-127"/>
-              </a:defRPr>
-            </a:lvl3pPr>
-            <a:lvl4pPr marL="1600200" indent="-228600" eaLnBrk="0" hangingPunct="0">
-              <a:defRPr kumimoji="1" sz="800">
-                <a:solidFill>
-                  <a:schemeClr val="tx1"/>
-                </a:solidFill>
-                <a:latin typeface="굴림" pitchFamily="50" charset="-127"/>
-                <a:ea typeface="굴림" pitchFamily="50" charset="-127"/>
-              </a:defRPr>
-            </a:lvl4pPr>
-            <a:lvl5pPr marL="2057400" indent="-228600" eaLnBrk="0" hangingPunct="0">
-              <a:defRPr kumimoji="1" sz="800">
-                <a:solidFill>
-                  <a:schemeClr val="tx1"/>
-                </a:solidFill>
-                <a:latin typeface="굴림" pitchFamily="50" charset="-127"/>
-                <a:ea typeface="굴림" pitchFamily="50" charset="-127"/>
-              </a:defRPr>
-            </a:lvl5pPr>
-            <a:lvl6pPr marL="2514600" indent="-228600" algn="ctr" eaLnBrk="0" fontAlgn="base" hangingPunct="0">
-              <a:spcBef>
-                <a:spcPct val="50000"/>
-              </a:spcBef>
-              <a:spcAft>
-                <a:spcPct val="0"/>
-              </a:spcAft>
-              <a:defRPr kumimoji="1" sz="800">
-                <a:solidFill>
-                  <a:schemeClr val="tx1"/>
-                </a:solidFill>
-                <a:latin typeface="굴림" pitchFamily="50" charset="-127"/>
-                <a:ea typeface="굴림" pitchFamily="50" charset="-127"/>
-              </a:defRPr>
-            </a:lvl6pPr>
-            <a:lvl7pPr marL="2971800" indent="-228600" algn="ctr" eaLnBrk="0" fontAlgn="base" hangingPunct="0">
-              <a:spcBef>
-                <a:spcPct val="50000"/>
-              </a:spcBef>
-              <a:spcAft>
-                <a:spcPct val="0"/>
-              </a:spcAft>
-              <a:defRPr kumimoji="1" sz="800">
-                <a:solidFill>
-                  <a:schemeClr val="tx1"/>
-                </a:solidFill>
-                <a:latin typeface="굴림" pitchFamily="50" charset="-127"/>
-                <a:ea typeface="굴림" pitchFamily="50" charset="-127"/>
-              </a:defRPr>
-            </a:lvl7pPr>
-            <a:lvl8pPr marL="3429000" indent="-228600" algn="ctr" eaLnBrk="0" fontAlgn="base" hangingPunct="0">
-              <a:spcBef>
-                <a:spcPct val="50000"/>
-              </a:spcBef>
-              <a:spcAft>
-                <a:spcPct val="0"/>
-              </a:spcAft>
-              <a:defRPr kumimoji="1" sz="800">
-                <a:solidFill>
-                  <a:schemeClr val="tx1"/>
-                </a:solidFill>
-                <a:latin typeface="굴림" pitchFamily="50" charset="-127"/>
-                <a:ea typeface="굴림" pitchFamily="50" charset="-127"/>
-              </a:defRPr>
-            </a:lvl8pPr>
-            <a:lvl9pPr marL="3886200" indent="-228600" algn="ctr" eaLnBrk="0" fontAlgn="base" hangingPunct="0">
-              <a:spcBef>
-                <a:spcPct val="50000"/>
-              </a:spcBef>
-              <a:spcAft>
-                <a:spcPct val="0"/>
-              </a:spcAft>
-              <a:defRPr kumimoji="1" sz="800">
-                <a:solidFill>
-                  <a:schemeClr val="tx1"/>
-                </a:solidFill>
-                <a:latin typeface="굴림" pitchFamily="50" charset="-127"/>
-                <a:ea typeface="굴림" pitchFamily="50" charset="-127"/>
-              </a:defRPr>
-            </a:lvl9pPr>
-          </a:lstStyle>
-          <a:p>
-            <a:pPr eaLnBrk="1" hangingPunct="1"/>
-            <a:fld id="{7C7BEF8E-1090-4BE2-B83A-7BD8D87454BE}" type="slidenum">
-              <a:rPr lang="en-US" altLang="ko-KR" sz="1200" smtClean="0"/>
-              <a:pPr eaLnBrk="1" hangingPunct="1"/>
-              <a:t>8</a:t>
-            </a:fld>
-            <a:endParaRPr lang="en-US" altLang="ko-KR" sz="1200"/>
-          </a:p>
-        </p:txBody>
-      </p:sp>
-    </p:spTree>
-    <p:extLst>
-      <p:ext uri="{BB962C8B-B14F-4D97-AF65-F5344CB8AC3E}">
-        <p14:creationId xmlns:p14="http://schemas.microsoft.com/office/powerpoint/2010/main" val="1098194565"/>
+        <p14:creationId xmlns:p14="http://schemas.microsoft.com/office/powerpoint/2010/main" val="1685247388"/>
       </p:ext>
     </p:extLst>
   </p:cSld>
@@ -8294,8 +7760,8 @@
         </p:nvSpPr>
         <p:spPr bwMode="auto">
           <a:xfrm>
-            <a:off x="2729137" y="1323886"/>
-            <a:ext cx="3715071" cy="167744"/>
+            <a:off x="2801145" y="1347469"/>
+            <a:ext cx="3734526" cy="151692"/>
           </a:xfrm>
           <a:prstGeom prst="rect">
             <a:avLst/>
@@ -9098,7 +8564,7 @@
         </p:nvSpPr>
         <p:spPr>
           <a:xfrm>
-            <a:off x="2267744" y="3075806"/>
+            <a:off x="2215110" y="3075806"/>
             <a:ext cx="628698" cy="215444"/>
           </a:xfrm>
           <a:prstGeom prst="rect">
@@ -9173,7 +8639,7 @@
         </p:nvSpPr>
         <p:spPr bwMode="auto">
           <a:xfrm>
-            <a:off x="2699792" y="1611918"/>
+            <a:off x="2801145" y="1611918"/>
             <a:ext cx="3715071" cy="167744"/>
           </a:xfrm>
           <a:prstGeom prst="rect">
@@ -9246,7 +8712,7 @@
         </p:nvSpPr>
         <p:spPr bwMode="auto">
           <a:xfrm>
-            <a:off x="2699792" y="1887798"/>
+            <a:off x="2801145" y="1887798"/>
             <a:ext cx="3715071" cy="1116000"/>
           </a:xfrm>
           <a:prstGeom prst="rect">
@@ -9319,8 +8785,8 @@
         </p:nvSpPr>
         <p:spPr bwMode="auto">
           <a:xfrm>
-            <a:off x="2793961" y="3112691"/>
-            <a:ext cx="3636000" cy="144000"/>
+            <a:off x="2801145" y="3112690"/>
+            <a:ext cx="3715071" cy="149013"/>
           </a:xfrm>
           <a:prstGeom prst="rect">
             <a:avLst/>
@@ -11627,8 +11093,8 @@
         </p:nvSpPr>
         <p:spPr>
           <a:xfrm>
-            <a:off x="2051720" y="722240"/>
-            <a:ext cx="514885" cy="246221"/>
+            <a:off x="2128293" y="722240"/>
+            <a:ext cx="859531" cy="246221"/>
           </a:xfrm>
           <a:prstGeom prst="rect">
             <a:avLst/>
@@ -11642,10 +11108,9 @@
           <a:lstStyle/>
           <a:p>
             <a:r>
-              <a:rPr lang="en-US" altLang="ko-KR" sz="1000" b="1" dirty="0"/>
-              <a:t>home</a:t>
-            </a:r>
-            <a:endParaRPr lang="ko-KR" altLang="en-US" sz="1000" b="1" dirty="0"/>
+              <a:rPr lang="ko-KR" altLang="en-US" sz="1000" b="1" dirty="0"/>
+              <a:t>게시판 관리</a:t>
+            </a:r>
           </a:p>
         </p:txBody>
       </p:sp>
@@ -12835,7 +12300,7 @@
         <p:cNvPr id="1" name="">
           <a:extLst>
             <a:ext uri="{FF2B5EF4-FFF2-40B4-BE49-F238E27FC236}">
-              <a16:creationId xmlns:a16="http://schemas.microsoft.com/office/drawing/2014/main" id="{250C9898-43FC-DFE0-4291-E3183C23E087}"/>
+              <a16:creationId xmlns:a16="http://schemas.microsoft.com/office/drawing/2014/main" id="{1200AAFF-6D2E-80D1-F15A-AEE13C5511C8}"/>
             </a:ext>
           </a:extLst>
         </p:cNvPr>
@@ -12852,35 +12317,10 @@
       </p:grpSpPr>
       <p:sp>
         <p:nvSpPr>
-          <p:cNvPr id="2" name="내용 개체 틀 1">
-            <a:extLst>
-              <a:ext uri="{FF2B5EF4-FFF2-40B4-BE49-F238E27FC236}">
-                <a16:creationId xmlns:a16="http://schemas.microsoft.com/office/drawing/2014/main" id="{69989B42-5BF4-1D63-CDDD-A12E220135CD}"/>
-              </a:ext>
-            </a:extLst>
-          </p:cNvPr>
-          <p:cNvSpPr>
-            <a:spLocks noGrp="1"/>
-          </p:cNvSpPr>
-          <p:nvPr>
-            <p:ph idx="1"/>
-          </p:nvPr>
-        </p:nvSpPr>
-        <p:spPr/>
-        <p:txBody>
-          <a:bodyPr/>
-          <a:lstStyle/>
-          <a:p>
-            <a:endParaRPr lang="ko-KR" altLang="en-US" dirty="0"/>
-          </a:p>
-        </p:txBody>
-      </p:sp>
-      <p:sp>
-        <p:nvSpPr>
           <p:cNvPr id="3" name="텍스트 개체 틀 2">
             <a:extLst>
               <a:ext uri="{FF2B5EF4-FFF2-40B4-BE49-F238E27FC236}">
-                <a16:creationId xmlns:a16="http://schemas.microsoft.com/office/drawing/2014/main" id="{744C2F6A-4376-46BD-3250-36F33FF42F6A}"/>
+                <a16:creationId xmlns:a16="http://schemas.microsoft.com/office/drawing/2014/main" id="{F08C67FA-4E0C-69C3-626E-DA5289619B77}"/>
               </a:ext>
             </a:extLst>
           </p:cNvPr>
@@ -12896,7 +12336,7 @@
           <a:bodyPr/>
           <a:lstStyle/>
           <a:p>
-            <a:endParaRPr lang="ko-KR" altLang="en-US"/>
+            <a:endParaRPr lang="ko-KR" altLang="en-US" dirty="0"/>
           </a:p>
         </p:txBody>
       </p:sp>
@@ -12905,7 +12345,7 @@
           <p:cNvPr id="4" name="텍스트 개체 틀 3">
             <a:extLst>
               <a:ext uri="{FF2B5EF4-FFF2-40B4-BE49-F238E27FC236}">
-                <a16:creationId xmlns:a16="http://schemas.microsoft.com/office/drawing/2014/main" id="{99EEC945-79FD-CA3A-94BC-02DEA34AAA08}"/>
+                <a16:creationId xmlns:a16="http://schemas.microsoft.com/office/drawing/2014/main" id="{357D9C0B-EA5A-E283-54C2-43C30513FFB7}"/>
               </a:ext>
             </a:extLst>
           </p:cNvPr>
@@ -12923,7 +12363,7 @@
           <a:p>
             <a:r>
               <a:rPr lang="en-US" altLang="ko-KR" sz="1200" b="1" dirty="0"/>
-              <a:t>1</a:t>
+              <a:t>2</a:t>
             </a:r>
             <a:endParaRPr lang="ko-KR" altLang="en-US" sz="1200" b="1" dirty="0"/>
           </a:p>
@@ -12934,7 +12374,7 @@
           <p:cNvPr id="5" name="텍스트 개체 틀 4">
             <a:extLst>
               <a:ext uri="{FF2B5EF4-FFF2-40B4-BE49-F238E27FC236}">
-                <a16:creationId xmlns:a16="http://schemas.microsoft.com/office/drawing/2014/main" id="{813C2E4E-074D-1ACE-A7EF-DA21777648B9}"/>
+                <a16:creationId xmlns:a16="http://schemas.microsoft.com/office/drawing/2014/main" id="{1BD52A2B-8EEE-4523-1CF8-77BD485ADE96}"/>
               </a:ext>
             </a:extLst>
           </p:cNvPr>
@@ -12952,7 +12392,7 @@
           <a:p>
             <a:r>
               <a:rPr lang="en-US" altLang="ko-KR" sz="1400" b="1" dirty="0"/>
-              <a:t>home.html</a:t>
+              <a:t>Input_board.html</a:t>
             </a:r>
             <a:endParaRPr lang="ko-KR" altLang="en-US" sz="1400" b="1" dirty="0"/>
           </a:p>
@@ -12963,7 +12403,7 @@
           <p:cNvPr id="6" name="텍스트 개체 틀 5">
             <a:extLst>
               <a:ext uri="{FF2B5EF4-FFF2-40B4-BE49-F238E27FC236}">
-                <a16:creationId xmlns:a16="http://schemas.microsoft.com/office/drawing/2014/main" id="{F444E09B-17A3-69BB-8275-5222EEF673E2}"/>
+                <a16:creationId xmlns:a16="http://schemas.microsoft.com/office/drawing/2014/main" id="{57755D45-E03C-6A52-078C-71AB7C3F93A6}"/>
               </a:ext>
             </a:extLst>
           </p:cNvPr>
@@ -13001,7 +12441,7 @@
           <p:cNvPr id="7" name="텍스트 개체 틀 6">
             <a:extLst>
               <a:ext uri="{FF2B5EF4-FFF2-40B4-BE49-F238E27FC236}">
-                <a16:creationId xmlns:a16="http://schemas.microsoft.com/office/drawing/2014/main" id="{7448E93B-0BAB-A272-B133-C7EF4D1E2DFB}"/>
+                <a16:creationId xmlns:a16="http://schemas.microsoft.com/office/drawing/2014/main" id="{E826B9C0-84F2-37B0-420B-7102A4D43B84}"/>
               </a:ext>
             </a:extLst>
           </p:cNvPr>
@@ -13030,7 +12470,7 @@
           <p:cNvPr id="4103" name="타원 7">
             <a:extLst>
               <a:ext uri="{FF2B5EF4-FFF2-40B4-BE49-F238E27FC236}">
-                <a16:creationId xmlns:a16="http://schemas.microsoft.com/office/drawing/2014/main" id="{1506E5A1-48C5-C986-53FB-2C995A2FD39F}"/>
+                <a16:creationId xmlns:a16="http://schemas.microsoft.com/office/drawing/2014/main" id="{70B68CEF-353B-6669-C494-6FF9F587F618}"/>
               </a:ext>
             </a:extLst>
           </p:cNvPr>
@@ -13178,10 +12618,1034 @@
           </a:p>
         </p:txBody>
       </p:sp>
+      <p:sp>
+        <p:nvSpPr>
+          <p:cNvPr id="8" name="직사각형 7">
+            <a:extLst>
+              <a:ext uri="{FF2B5EF4-FFF2-40B4-BE49-F238E27FC236}">
+                <a16:creationId xmlns:a16="http://schemas.microsoft.com/office/drawing/2014/main" id="{1D22C055-B7CA-720C-9160-9251CE581634}"/>
+              </a:ext>
+            </a:extLst>
+          </p:cNvPr>
+          <p:cNvSpPr/>
+          <p:nvPr/>
+        </p:nvSpPr>
+        <p:spPr bwMode="auto">
+          <a:xfrm>
+            <a:off x="899592" y="502785"/>
+            <a:ext cx="6984776" cy="3675427"/>
+          </a:xfrm>
+          <a:prstGeom prst="rect">
+            <a:avLst/>
+          </a:prstGeom>
+          <a:solidFill>
+            <a:schemeClr val="bg1"/>
+          </a:solidFill>
+          <a:ln w="9525" cap="flat" cmpd="sng" algn="ctr">
+            <a:solidFill>
+              <a:schemeClr val="tx1"/>
+            </a:solidFill>
+            <a:prstDash val="solid"/>
+            <a:round/>
+            <a:headEnd type="none" w="med" len="med"/>
+            <a:tailEnd type="none" w="med" len="med"/>
+          </a:ln>
+          <a:effectLst/>
+        </p:spPr>
+        <p:txBody>
+          <a:bodyPr vert="horz" wrap="square" lIns="91440" tIns="45720" rIns="91440" bIns="45720" numCol="1" rtlCol="0" anchor="ctr" anchorCtr="0" compatLnSpc="1">
+            <a:prstTxWarp prst="textNoShape">
+              <a:avLst/>
+            </a:prstTxWarp>
+            <a:spAutoFit/>
+          </a:bodyPr>
+          <a:lstStyle/>
+          <a:p>
+            <a:pPr marL="0" marR="0" indent="0" algn="ctr" defTabSz="914400" rtl="0" eaLnBrk="1" fontAlgn="base" latinLnBrk="1" hangingPunct="1">
+              <a:lnSpc>
+                <a:spcPct val="100000"/>
+              </a:lnSpc>
+              <a:spcBef>
+                <a:spcPct val="50000"/>
+              </a:spcBef>
+              <a:spcAft>
+                <a:spcPct val="0"/>
+              </a:spcAft>
+              <a:buClrTx/>
+              <a:buSzTx/>
+              <a:buFontTx/>
+              <a:buNone/>
+              <a:tabLst/>
+            </a:pPr>
+            <a:endParaRPr kumimoji="1" lang="ko-KR" altLang="en-US" sz="800" b="0" i="0" u="none" strike="noStrike" cap="none" normalizeH="0" baseline="0" dirty="0">
+              <a:ln>
+                <a:noFill/>
+              </a:ln>
+              <a:solidFill>
+                <a:schemeClr val="tx1"/>
+              </a:solidFill>
+              <a:effectLst/>
+              <a:latin typeface="굴림" pitchFamily="50" charset="-127"/>
+              <a:ea typeface="굴림" pitchFamily="50" charset="-127"/>
+            </a:endParaRPr>
+          </a:p>
+        </p:txBody>
+      </p:sp>
+      <p:sp>
+        <p:nvSpPr>
+          <p:cNvPr id="12" name="직사각형 11">
+            <a:extLst>
+              <a:ext uri="{FF2B5EF4-FFF2-40B4-BE49-F238E27FC236}">
+                <a16:creationId xmlns:a16="http://schemas.microsoft.com/office/drawing/2014/main" id="{A6852D6E-468D-8286-EDA3-ECE8D4EE979E}"/>
+              </a:ext>
+            </a:extLst>
+          </p:cNvPr>
+          <p:cNvSpPr/>
+          <p:nvPr/>
+        </p:nvSpPr>
+        <p:spPr bwMode="auto">
+          <a:xfrm>
+            <a:off x="899592" y="486872"/>
+            <a:ext cx="6984776" cy="176553"/>
+          </a:xfrm>
+          <a:prstGeom prst="rect">
+            <a:avLst/>
+          </a:prstGeom>
+          <a:solidFill>
+            <a:schemeClr val="bg2"/>
+          </a:solidFill>
+          <a:ln w="9525" cap="flat" cmpd="sng" algn="ctr">
+            <a:solidFill>
+              <a:schemeClr val="tx1"/>
+            </a:solidFill>
+            <a:prstDash val="solid"/>
+            <a:round/>
+            <a:headEnd type="none" w="med" len="med"/>
+            <a:tailEnd type="none" w="med" len="med"/>
+          </a:ln>
+          <a:effectLst/>
+        </p:spPr>
+        <p:txBody>
+          <a:bodyPr vert="horz" wrap="none" lIns="91440" tIns="45720" rIns="91440" bIns="45720" numCol="1" rtlCol="0" anchor="ctr" anchorCtr="0" compatLnSpc="1">
+            <a:prstTxWarp prst="textNoShape">
+              <a:avLst/>
+            </a:prstTxWarp>
+            <a:spAutoFit/>
+          </a:bodyPr>
+          <a:lstStyle/>
+          <a:p>
+            <a:pPr marL="0" marR="0" indent="0" algn="ctr" defTabSz="914400" rtl="0" eaLnBrk="1" fontAlgn="base" latinLnBrk="1" hangingPunct="1">
+              <a:lnSpc>
+                <a:spcPct val="100000"/>
+              </a:lnSpc>
+              <a:spcBef>
+                <a:spcPct val="50000"/>
+              </a:spcBef>
+              <a:spcAft>
+                <a:spcPct val="0"/>
+              </a:spcAft>
+              <a:buClrTx/>
+              <a:buSzTx/>
+              <a:buFontTx/>
+              <a:buNone/>
+              <a:tabLst/>
+            </a:pPr>
+            <a:endParaRPr kumimoji="1" lang="ko-KR" altLang="en-US" sz="800" b="0" i="0" u="none" strike="noStrike" cap="none" normalizeH="0" baseline="0" dirty="0">
+              <a:ln>
+                <a:noFill/>
+              </a:ln>
+              <a:solidFill>
+                <a:schemeClr val="tx1"/>
+              </a:solidFill>
+              <a:effectLst/>
+              <a:latin typeface="굴림" pitchFamily="50" charset="-127"/>
+              <a:ea typeface="굴림" pitchFamily="50" charset="-127"/>
+            </a:endParaRPr>
+          </a:p>
+        </p:txBody>
+      </p:sp>
+      <p:sp>
+        <p:nvSpPr>
+          <p:cNvPr id="13" name="직사각형 12">
+            <a:extLst>
+              <a:ext uri="{FF2B5EF4-FFF2-40B4-BE49-F238E27FC236}">
+                <a16:creationId xmlns:a16="http://schemas.microsoft.com/office/drawing/2014/main" id="{86E40E5D-9709-E4FD-F958-772ACD38491B}"/>
+              </a:ext>
+            </a:extLst>
+          </p:cNvPr>
+          <p:cNvSpPr/>
+          <p:nvPr/>
+        </p:nvSpPr>
+        <p:spPr bwMode="auto">
+          <a:xfrm>
+            <a:off x="899592" y="660312"/>
+            <a:ext cx="1064690" cy="3521013"/>
+          </a:xfrm>
+          <a:prstGeom prst="rect">
+            <a:avLst/>
+          </a:prstGeom>
+          <a:solidFill>
+            <a:schemeClr val="bg1">
+              <a:lumMod val="85000"/>
+            </a:schemeClr>
+          </a:solidFill>
+          <a:ln w="9525" cap="flat" cmpd="sng" algn="ctr">
+            <a:solidFill>
+              <a:schemeClr val="tx1"/>
+            </a:solidFill>
+            <a:prstDash val="solid"/>
+            <a:round/>
+            <a:headEnd type="none" w="med" len="med"/>
+            <a:tailEnd type="none" w="med" len="med"/>
+          </a:ln>
+          <a:effectLst/>
+        </p:spPr>
+        <p:txBody>
+          <a:bodyPr vert="horz" wrap="none" lIns="91440" tIns="45720" rIns="91440" bIns="45720" numCol="1" rtlCol="0" anchor="ctr" anchorCtr="0" compatLnSpc="1">
+            <a:prstTxWarp prst="textNoShape">
+              <a:avLst/>
+            </a:prstTxWarp>
+            <a:spAutoFit/>
+          </a:bodyPr>
+          <a:lstStyle/>
+          <a:p>
+            <a:pPr marL="0" marR="0" indent="0" algn="ctr" defTabSz="914400" rtl="0" eaLnBrk="1" fontAlgn="base" latinLnBrk="1" hangingPunct="1">
+              <a:lnSpc>
+                <a:spcPct val="100000"/>
+              </a:lnSpc>
+              <a:spcBef>
+                <a:spcPct val="50000"/>
+              </a:spcBef>
+              <a:spcAft>
+                <a:spcPct val="0"/>
+              </a:spcAft>
+              <a:buClrTx/>
+              <a:buSzTx/>
+              <a:buFontTx/>
+              <a:buNone/>
+              <a:tabLst/>
+            </a:pPr>
+            <a:endParaRPr kumimoji="1" lang="ko-KR" altLang="en-US" sz="800" b="0" i="0" u="none" strike="noStrike" cap="none" normalizeH="0" baseline="0">
+              <a:ln>
+                <a:noFill/>
+              </a:ln>
+              <a:solidFill>
+                <a:schemeClr val="tx1"/>
+              </a:solidFill>
+              <a:effectLst/>
+              <a:latin typeface="굴림" pitchFamily="50" charset="-127"/>
+              <a:ea typeface="굴림" pitchFamily="50" charset="-127"/>
+            </a:endParaRPr>
+          </a:p>
+        </p:txBody>
+      </p:sp>
+      <p:sp>
+        <p:nvSpPr>
+          <p:cNvPr id="16" name="TextBox 15">
+            <a:extLst>
+              <a:ext uri="{FF2B5EF4-FFF2-40B4-BE49-F238E27FC236}">
+                <a16:creationId xmlns:a16="http://schemas.microsoft.com/office/drawing/2014/main" id="{9E66E5D2-5607-DEA8-0625-0156C75B082C}"/>
+              </a:ext>
+            </a:extLst>
+          </p:cNvPr>
+          <p:cNvSpPr txBox="1"/>
+          <p:nvPr/>
+        </p:nvSpPr>
+        <p:spPr>
+          <a:xfrm>
+            <a:off x="2123728" y="699542"/>
+            <a:ext cx="931665" cy="246221"/>
+          </a:xfrm>
+          <a:prstGeom prst="rect">
+            <a:avLst/>
+          </a:prstGeom>
+          <a:noFill/>
+        </p:spPr>
+        <p:txBody>
+          <a:bodyPr wrap="none" rtlCol="0">
+            <a:spAutoFit/>
+          </a:bodyPr>
+          <a:lstStyle/>
+          <a:p>
+            <a:r>
+              <a:rPr lang="ko-KR" altLang="en-US" sz="1000" b="1" dirty="0"/>
+              <a:t>게시판 이름</a:t>
+            </a:r>
+            <a:r>
+              <a:rPr lang="en-US" altLang="ko-KR" sz="1000" b="1" dirty="0"/>
+              <a:t>1</a:t>
+            </a:r>
+            <a:endParaRPr lang="ko-KR" altLang="en-US" sz="1000" b="1" dirty="0"/>
+          </a:p>
+        </p:txBody>
+      </p:sp>
+      <p:cxnSp>
+        <p:nvCxnSpPr>
+          <p:cNvPr id="22" name="직선 연결선 21">
+            <a:extLst>
+              <a:ext uri="{FF2B5EF4-FFF2-40B4-BE49-F238E27FC236}">
+                <a16:creationId xmlns:a16="http://schemas.microsoft.com/office/drawing/2014/main" id="{90A27E9F-983D-523D-0678-8763AC895D7C}"/>
+              </a:ext>
+            </a:extLst>
+          </p:cNvPr>
+          <p:cNvCxnSpPr/>
+          <p:nvPr/>
+        </p:nvCxnSpPr>
+        <p:spPr bwMode="auto">
+          <a:xfrm>
+            <a:off x="2123728" y="968460"/>
+            <a:ext cx="4411943" cy="0"/>
+          </a:xfrm>
+          <a:prstGeom prst="line">
+            <a:avLst/>
+          </a:prstGeom>
+          <a:noFill/>
+          <a:ln w="9525" cap="flat" cmpd="sng" algn="ctr">
+            <a:solidFill>
+              <a:schemeClr val="tx1"/>
+            </a:solidFill>
+            <a:prstDash val="solid"/>
+            <a:round/>
+            <a:headEnd type="none" w="med" len="med"/>
+            <a:tailEnd type="none" w="med" len="med"/>
+          </a:ln>
+          <a:effectLst/>
+        </p:spPr>
+      </p:cxnSp>
+      <p:sp>
+        <p:nvSpPr>
+          <p:cNvPr id="27" name="직사각형 26">
+            <a:extLst>
+              <a:ext uri="{FF2B5EF4-FFF2-40B4-BE49-F238E27FC236}">
+                <a16:creationId xmlns:a16="http://schemas.microsoft.com/office/drawing/2014/main" id="{6B94E28C-DF8E-D359-01AD-736636F8AA7B}"/>
+              </a:ext>
+            </a:extLst>
+          </p:cNvPr>
+          <p:cNvSpPr/>
+          <p:nvPr/>
+        </p:nvSpPr>
+        <p:spPr bwMode="auto">
+          <a:xfrm>
+            <a:off x="2853698" y="1347469"/>
+            <a:ext cx="3734526" cy="151692"/>
+          </a:xfrm>
+          <a:prstGeom prst="rect">
+            <a:avLst/>
+          </a:prstGeom>
+          <a:solidFill>
+            <a:schemeClr val="bg1"/>
+          </a:solidFill>
+          <a:ln w="9525" cap="flat" cmpd="sng" algn="ctr">
+            <a:solidFill>
+              <a:schemeClr val="tx1"/>
+            </a:solidFill>
+            <a:prstDash val="solid"/>
+            <a:round/>
+            <a:headEnd type="none" w="med" len="med"/>
+            <a:tailEnd type="none" w="med" len="med"/>
+          </a:ln>
+          <a:effectLst/>
+        </p:spPr>
+        <p:txBody>
+          <a:bodyPr vert="horz" wrap="square" lIns="91440" tIns="45720" rIns="91440" bIns="45720" numCol="1" rtlCol="0" anchor="ctr" anchorCtr="0" compatLnSpc="1">
+            <a:prstTxWarp prst="textNoShape">
+              <a:avLst/>
+            </a:prstTxWarp>
+            <a:spAutoFit/>
+          </a:bodyPr>
+          <a:lstStyle/>
+          <a:p>
+            <a:pPr marL="0" marR="0" indent="0" algn="ctr" defTabSz="914400" rtl="0" eaLnBrk="1" fontAlgn="base" latinLnBrk="1" hangingPunct="1">
+              <a:lnSpc>
+                <a:spcPct val="100000"/>
+              </a:lnSpc>
+              <a:spcBef>
+                <a:spcPct val="50000"/>
+              </a:spcBef>
+              <a:spcAft>
+                <a:spcPct val="0"/>
+              </a:spcAft>
+              <a:buClrTx/>
+              <a:buSzTx/>
+              <a:buFontTx/>
+              <a:buNone/>
+              <a:tabLst/>
+            </a:pPr>
+            <a:endParaRPr kumimoji="1" lang="ko-KR" altLang="en-US" sz="800" b="0" i="0" u="none" strike="noStrike" cap="none" normalizeH="0" baseline="0" dirty="0">
+              <a:ln>
+                <a:noFill/>
+              </a:ln>
+              <a:solidFill>
+                <a:schemeClr val="tx1"/>
+              </a:solidFill>
+              <a:effectLst/>
+              <a:latin typeface="굴림" pitchFamily="50" charset="-127"/>
+              <a:ea typeface="굴림" pitchFamily="50" charset="-127"/>
+            </a:endParaRPr>
+          </a:p>
+        </p:txBody>
+      </p:sp>
+      <p:sp>
+        <p:nvSpPr>
+          <p:cNvPr id="30" name="TextBox 29">
+            <a:extLst>
+              <a:ext uri="{FF2B5EF4-FFF2-40B4-BE49-F238E27FC236}">
+                <a16:creationId xmlns:a16="http://schemas.microsoft.com/office/drawing/2014/main" id="{C44CF453-292C-DAEE-52D7-A2442779471E}"/>
+              </a:ext>
+            </a:extLst>
+          </p:cNvPr>
+          <p:cNvSpPr txBox="1"/>
+          <p:nvPr/>
+        </p:nvSpPr>
+        <p:spPr>
+          <a:xfrm>
+            <a:off x="917225" y="674848"/>
+            <a:ext cx="543739" cy="261610"/>
+          </a:xfrm>
+          <a:prstGeom prst="rect">
+            <a:avLst/>
+          </a:prstGeom>
+          <a:noFill/>
+        </p:spPr>
+        <p:txBody>
+          <a:bodyPr wrap="none" rtlCol="0">
+            <a:spAutoFit/>
+          </a:bodyPr>
+          <a:lstStyle/>
+          <a:p>
+            <a:r>
+              <a:rPr lang="en-US" altLang="ko-KR" sz="1100" b="1" dirty="0">
+                <a:solidFill>
+                  <a:schemeClr val="bg1"/>
+                </a:solidFill>
+              </a:rPr>
+              <a:t>home</a:t>
+            </a:r>
+            <a:endParaRPr lang="ko-KR" altLang="en-US" sz="1200" b="1" dirty="0">
+              <a:solidFill>
+                <a:schemeClr val="bg1"/>
+              </a:solidFill>
+            </a:endParaRPr>
+          </a:p>
+        </p:txBody>
+      </p:sp>
+      <p:sp>
+        <p:nvSpPr>
+          <p:cNvPr id="31" name="TextBox 30">
+            <a:extLst>
+              <a:ext uri="{FF2B5EF4-FFF2-40B4-BE49-F238E27FC236}">
+                <a16:creationId xmlns:a16="http://schemas.microsoft.com/office/drawing/2014/main" id="{35A3E308-08D9-207A-862C-E1BD9E940783}"/>
+              </a:ext>
+            </a:extLst>
+          </p:cNvPr>
+          <p:cNvSpPr txBox="1"/>
+          <p:nvPr/>
+        </p:nvSpPr>
+        <p:spPr>
+          <a:xfrm>
+            <a:off x="868765" y="915566"/>
+            <a:ext cx="966931" cy="261610"/>
+          </a:xfrm>
+          <a:prstGeom prst="rect">
+            <a:avLst/>
+          </a:prstGeom>
+          <a:noFill/>
+        </p:spPr>
+        <p:txBody>
+          <a:bodyPr wrap="none" rtlCol="0">
+            <a:spAutoFit/>
+          </a:bodyPr>
+          <a:lstStyle/>
+          <a:p>
+            <a:r>
+              <a:rPr lang="ko-KR" altLang="en-US" sz="1100" b="1" dirty="0">
+                <a:solidFill>
+                  <a:schemeClr val="bg1"/>
+                </a:solidFill>
+              </a:rPr>
+              <a:t>전체 글 보기</a:t>
+            </a:r>
+          </a:p>
+        </p:txBody>
+      </p:sp>
+      <p:sp>
+        <p:nvSpPr>
+          <p:cNvPr id="32" name="TextBox 31">
+            <a:extLst>
+              <a:ext uri="{FF2B5EF4-FFF2-40B4-BE49-F238E27FC236}">
+                <a16:creationId xmlns:a16="http://schemas.microsoft.com/office/drawing/2014/main" id="{159555B8-721B-35BF-B93D-0C35914A59B1}"/>
+              </a:ext>
+            </a:extLst>
+          </p:cNvPr>
+          <p:cNvSpPr txBox="1"/>
+          <p:nvPr/>
+        </p:nvSpPr>
+        <p:spPr>
+          <a:xfrm>
+            <a:off x="875177" y="1203598"/>
+            <a:ext cx="960519" cy="253916"/>
+          </a:xfrm>
+          <a:prstGeom prst="rect">
+            <a:avLst/>
+          </a:prstGeom>
+          <a:noFill/>
+        </p:spPr>
+        <p:txBody>
+          <a:bodyPr wrap="none" rtlCol="0">
+            <a:spAutoFit/>
+          </a:bodyPr>
+          <a:lstStyle/>
+          <a:p>
+            <a:r>
+              <a:rPr lang="ko-KR" altLang="en-US" sz="1050" b="1" dirty="0">
+                <a:solidFill>
+                  <a:schemeClr val="bg1"/>
+                </a:solidFill>
+              </a:rPr>
+              <a:t>게시판 이름</a:t>
+            </a:r>
+            <a:r>
+              <a:rPr lang="en-US" altLang="ko-KR" sz="1050" b="1" dirty="0">
+                <a:solidFill>
+                  <a:schemeClr val="bg1"/>
+                </a:solidFill>
+              </a:rPr>
+              <a:t>1</a:t>
+            </a:r>
+            <a:endParaRPr lang="ko-KR" altLang="en-US" sz="1050" b="1" dirty="0">
+              <a:solidFill>
+                <a:schemeClr val="bg1"/>
+              </a:solidFill>
+            </a:endParaRPr>
+          </a:p>
+        </p:txBody>
+      </p:sp>
+      <p:sp>
+        <p:nvSpPr>
+          <p:cNvPr id="33" name="TextBox 32">
+            <a:extLst>
+              <a:ext uri="{FF2B5EF4-FFF2-40B4-BE49-F238E27FC236}">
+                <a16:creationId xmlns:a16="http://schemas.microsoft.com/office/drawing/2014/main" id="{1ED3FE80-21EE-6E69-07B5-1A472434B703}"/>
+              </a:ext>
+            </a:extLst>
+          </p:cNvPr>
+          <p:cNvSpPr txBox="1"/>
+          <p:nvPr/>
+        </p:nvSpPr>
+        <p:spPr>
+          <a:xfrm>
+            <a:off x="875177" y="1525746"/>
+            <a:ext cx="960519" cy="253916"/>
+          </a:xfrm>
+          <a:prstGeom prst="rect">
+            <a:avLst/>
+          </a:prstGeom>
+          <a:noFill/>
+        </p:spPr>
+        <p:txBody>
+          <a:bodyPr wrap="none" rtlCol="0">
+            <a:spAutoFit/>
+          </a:bodyPr>
+          <a:lstStyle/>
+          <a:p>
+            <a:r>
+              <a:rPr lang="ko-KR" altLang="en-US" sz="1050" b="1" dirty="0">
+                <a:solidFill>
+                  <a:schemeClr val="bg1"/>
+                </a:solidFill>
+              </a:rPr>
+              <a:t>게시판 이름</a:t>
+            </a:r>
+            <a:r>
+              <a:rPr lang="en-US" altLang="ko-KR" sz="1050" b="1" dirty="0">
+                <a:solidFill>
+                  <a:schemeClr val="bg1"/>
+                </a:solidFill>
+              </a:rPr>
+              <a:t>2</a:t>
+            </a:r>
+            <a:endParaRPr lang="ko-KR" altLang="en-US" sz="1050" b="1" dirty="0">
+              <a:solidFill>
+                <a:schemeClr val="bg1"/>
+              </a:solidFill>
+            </a:endParaRPr>
+          </a:p>
+        </p:txBody>
+      </p:sp>
+      <p:sp>
+        <p:nvSpPr>
+          <p:cNvPr id="34" name="TextBox 33">
+            <a:extLst>
+              <a:ext uri="{FF2B5EF4-FFF2-40B4-BE49-F238E27FC236}">
+                <a16:creationId xmlns:a16="http://schemas.microsoft.com/office/drawing/2014/main" id="{77902658-74C7-40C8-30AF-896B9423D94A}"/>
+              </a:ext>
+            </a:extLst>
+          </p:cNvPr>
+          <p:cNvSpPr txBox="1"/>
+          <p:nvPr/>
+        </p:nvSpPr>
+        <p:spPr>
+          <a:xfrm>
+            <a:off x="4408627" y="3796466"/>
+            <a:ext cx="439543" cy="215444"/>
+          </a:xfrm>
+          <a:prstGeom prst="rect">
+            <a:avLst/>
+          </a:prstGeom>
+          <a:noFill/>
+        </p:spPr>
+        <p:txBody>
+          <a:bodyPr wrap="none" rtlCol="0">
+            <a:spAutoFit/>
+          </a:bodyPr>
+          <a:lstStyle/>
+          <a:p>
+            <a:r>
+              <a:rPr lang="en-US" altLang="ko-KR" dirty="0"/>
+              <a:t>&lt; 1 &gt;</a:t>
+            </a:r>
+            <a:endParaRPr lang="ko-KR" altLang="en-US" dirty="0"/>
+          </a:p>
+        </p:txBody>
+      </p:sp>
+      <p:sp>
+        <p:nvSpPr>
+          <p:cNvPr id="41" name="TextBox 40">
+            <a:extLst>
+              <a:ext uri="{FF2B5EF4-FFF2-40B4-BE49-F238E27FC236}">
+                <a16:creationId xmlns:a16="http://schemas.microsoft.com/office/drawing/2014/main" id="{2C26E498-B1B4-5774-5CA4-F1C554FC5013}"/>
+              </a:ext>
+            </a:extLst>
+          </p:cNvPr>
+          <p:cNvSpPr txBox="1"/>
+          <p:nvPr/>
+        </p:nvSpPr>
+        <p:spPr>
+          <a:xfrm>
+            <a:off x="2123728" y="1044774"/>
+            <a:ext cx="564578" cy="230832"/>
+          </a:xfrm>
+          <a:prstGeom prst="rect">
+            <a:avLst/>
+          </a:prstGeom>
+          <a:noFill/>
+        </p:spPr>
+        <p:txBody>
+          <a:bodyPr wrap="none" rtlCol="0">
+            <a:spAutoFit/>
+          </a:bodyPr>
+          <a:lstStyle/>
+          <a:p>
+            <a:r>
+              <a:rPr lang="ko-KR" altLang="en-US" sz="900" b="1" dirty="0"/>
+              <a:t>글 쓰기</a:t>
+            </a:r>
+          </a:p>
+        </p:txBody>
+      </p:sp>
+      <p:sp>
+        <p:nvSpPr>
+          <p:cNvPr id="42" name="TextBox 41">
+            <a:extLst>
+              <a:ext uri="{FF2B5EF4-FFF2-40B4-BE49-F238E27FC236}">
+                <a16:creationId xmlns:a16="http://schemas.microsoft.com/office/drawing/2014/main" id="{E72653F0-6A2A-D1F8-5AE4-FF8D85B49249}"/>
+              </a:ext>
+            </a:extLst>
+          </p:cNvPr>
+          <p:cNvSpPr txBox="1"/>
+          <p:nvPr/>
+        </p:nvSpPr>
+        <p:spPr>
+          <a:xfrm>
+            <a:off x="2097023" y="1271677"/>
+            <a:ext cx="764953" cy="215444"/>
+          </a:xfrm>
+          <a:prstGeom prst="rect">
+            <a:avLst/>
+          </a:prstGeom>
+          <a:noFill/>
+        </p:spPr>
+        <p:txBody>
+          <a:bodyPr wrap="none" rtlCol="0">
+            <a:spAutoFit/>
+          </a:bodyPr>
+          <a:lstStyle/>
+          <a:p>
+            <a:r>
+              <a:rPr lang="ko-KR" altLang="en-US" dirty="0"/>
+              <a:t>게시판 이름</a:t>
+            </a:r>
+            <a:r>
+              <a:rPr lang="en-US" altLang="ko-KR" dirty="0"/>
+              <a:t>:</a:t>
+            </a:r>
+            <a:endParaRPr lang="ko-KR" altLang="en-US" dirty="0"/>
+          </a:p>
+        </p:txBody>
+      </p:sp>
+      <p:cxnSp>
+        <p:nvCxnSpPr>
+          <p:cNvPr id="45" name="직선 연결선 44">
+            <a:extLst>
+              <a:ext uri="{FF2B5EF4-FFF2-40B4-BE49-F238E27FC236}">
+                <a16:creationId xmlns:a16="http://schemas.microsoft.com/office/drawing/2014/main" id="{B27AE27D-095E-A843-C3F0-1522F8F23624}"/>
+              </a:ext>
+            </a:extLst>
+          </p:cNvPr>
+          <p:cNvCxnSpPr>
+            <a:cxnSpLocks/>
+          </p:cNvCxnSpPr>
+          <p:nvPr/>
+        </p:nvCxnSpPr>
+        <p:spPr bwMode="auto">
+          <a:xfrm>
+            <a:off x="2339752" y="1548573"/>
+            <a:ext cx="4060065" cy="15065"/>
+          </a:xfrm>
+          <a:prstGeom prst="line">
+            <a:avLst/>
+          </a:prstGeom>
+          <a:noFill/>
+          <a:ln w="9525" cap="flat" cmpd="sng" algn="ctr">
+            <a:solidFill>
+              <a:schemeClr val="tx1"/>
+            </a:solidFill>
+            <a:prstDash val="solid"/>
+            <a:round/>
+            <a:headEnd type="none" w="med" len="med"/>
+            <a:tailEnd type="none" w="med" len="med"/>
+          </a:ln>
+          <a:effectLst/>
+        </p:spPr>
+      </p:cxnSp>
+      <p:sp>
+        <p:nvSpPr>
+          <p:cNvPr id="48" name="TextBox 47">
+            <a:extLst>
+              <a:ext uri="{FF2B5EF4-FFF2-40B4-BE49-F238E27FC236}">
+                <a16:creationId xmlns:a16="http://schemas.microsoft.com/office/drawing/2014/main" id="{1ECEEC4B-4BC9-47ED-1008-DB5C89CCC900}"/>
+              </a:ext>
+            </a:extLst>
+          </p:cNvPr>
+          <p:cNvSpPr txBox="1"/>
+          <p:nvPr/>
+        </p:nvSpPr>
+        <p:spPr>
+          <a:xfrm>
+            <a:off x="2143101" y="1564218"/>
+            <a:ext cx="764953" cy="215444"/>
+          </a:xfrm>
+          <a:prstGeom prst="rect">
+            <a:avLst/>
+          </a:prstGeom>
+          <a:noFill/>
+        </p:spPr>
+        <p:txBody>
+          <a:bodyPr wrap="none" rtlCol="0">
+            <a:spAutoFit/>
+          </a:bodyPr>
+          <a:lstStyle/>
+          <a:p>
+            <a:r>
+              <a:rPr lang="ko-KR" altLang="en-US" dirty="0"/>
+              <a:t>게시판 설명</a:t>
+            </a:r>
+            <a:r>
+              <a:rPr lang="en-US" altLang="ko-KR" dirty="0"/>
+              <a:t>:</a:t>
+            </a:r>
+            <a:endParaRPr lang="ko-KR" altLang="en-US" dirty="0"/>
+          </a:p>
+        </p:txBody>
+      </p:sp>
+      <p:sp>
+        <p:nvSpPr>
+          <p:cNvPr id="50" name="TextBox 49">
+            <a:extLst>
+              <a:ext uri="{FF2B5EF4-FFF2-40B4-BE49-F238E27FC236}">
+                <a16:creationId xmlns:a16="http://schemas.microsoft.com/office/drawing/2014/main" id="{B99EF229-2AFC-AD98-4F66-E99FA806B15C}"/>
+              </a:ext>
+            </a:extLst>
+          </p:cNvPr>
+          <p:cNvSpPr txBox="1"/>
+          <p:nvPr/>
+        </p:nvSpPr>
+        <p:spPr>
+          <a:xfrm>
+            <a:off x="5731554" y="1916288"/>
+            <a:ext cx="389851" cy="215444"/>
+          </a:xfrm>
+          <a:prstGeom prst="rect">
+            <a:avLst/>
+          </a:prstGeom>
+          <a:noFill/>
+        </p:spPr>
+        <p:txBody>
+          <a:bodyPr wrap="none" rtlCol="0">
+            <a:spAutoFit/>
+          </a:bodyPr>
+          <a:lstStyle/>
+          <a:p>
+            <a:r>
+              <a:rPr lang="ko-KR" altLang="en-US" dirty="0"/>
+              <a:t>등록</a:t>
+            </a:r>
+          </a:p>
+        </p:txBody>
+      </p:sp>
+      <p:sp>
+        <p:nvSpPr>
+          <p:cNvPr id="51" name="TextBox 50">
+            <a:extLst>
+              <a:ext uri="{FF2B5EF4-FFF2-40B4-BE49-F238E27FC236}">
+                <a16:creationId xmlns:a16="http://schemas.microsoft.com/office/drawing/2014/main" id="{035D554A-753C-D996-B297-12CC72B24B6A}"/>
+              </a:ext>
+            </a:extLst>
+          </p:cNvPr>
+          <p:cNvSpPr txBox="1"/>
+          <p:nvPr/>
+        </p:nvSpPr>
+        <p:spPr>
+          <a:xfrm>
+            <a:off x="6145820" y="1916288"/>
+            <a:ext cx="389851" cy="215444"/>
+          </a:xfrm>
+          <a:prstGeom prst="rect">
+            <a:avLst/>
+          </a:prstGeom>
+          <a:noFill/>
+        </p:spPr>
+        <p:txBody>
+          <a:bodyPr wrap="none" rtlCol="0">
+            <a:spAutoFit/>
+          </a:bodyPr>
+          <a:lstStyle/>
+          <a:p>
+            <a:r>
+              <a:rPr lang="ko-KR" altLang="en-US" dirty="0"/>
+              <a:t>취소</a:t>
+            </a:r>
+          </a:p>
+        </p:txBody>
+      </p:sp>
+      <p:cxnSp>
+        <p:nvCxnSpPr>
+          <p:cNvPr id="9" name="직선 연결선 8">
+            <a:extLst>
+              <a:ext uri="{FF2B5EF4-FFF2-40B4-BE49-F238E27FC236}">
+                <a16:creationId xmlns:a16="http://schemas.microsoft.com/office/drawing/2014/main" id="{E294DF0A-4C6B-DFD6-C1B6-9BC2AB1F1756}"/>
+              </a:ext>
+            </a:extLst>
+          </p:cNvPr>
+          <p:cNvCxnSpPr>
+            <a:cxnSpLocks/>
+          </p:cNvCxnSpPr>
+          <p:nvPr/>
+        </p:nvCxnSpPr>
+        <p:spPr bwMode="auto">
+          <a:xfrm>
+            <a:off x="2339752" y="1836605"/>
+            <a:ext cx="4060065" cy="15065"/>
+          </a:xfrm>
+          <a:prstGeom prst="line">
+            <a:avLst/>
+          </a:prstGeom>
+          <a:noFill/>
+          <a:ln w="9525" cap="flat" cmpd="sng" algn="ctr">
+            <a:solidFill>
+              <a:schemeClr val="tx1"/>
+            </a:solidFill>
+            <a:prstDash val="solid"/>
+            <a:round/>
+            <a:headEnd type="none" w="med" len="med"/>
+            <a:tailEnd type="none" w="med" len="med"/>
+          </a:ln>
+          <a:effectLst/>
+        </p:spPr>
+      </p:cxnSp>
+      <p:sp>
+        <p:nvSpPr>
+          <p:cNvPr id="10" name="직사각형 9">
+            <a:extLst>
+              <a:ext uri="{FF2B5EF4-FFF2-40B4-BE49-F238E27FC236}">
+                <a16:creationId xmlns:a16="http://schemas.microsoft.com/office/drawing/2014/main" id="{3F38BCEB-5552-4084-2675-ABD7C9C36CA1}"/>
+              </a:ext>
+            </a:extLst>
+          </p:cNvPr>
+          <p:cNvSpPr/>
+          <p:nvPr/>
+        </p:nvSpPr>
+        <p:spPr bwMode="auto">
+          <a:xfrm>
+            <a:off x="2873153" y="1611918"/>
+            <a:ext cx="3715071" cy="167744"/>
+          </a:xfrm>
+          <a:prstGeom prst="rect">
+            <a:avLst/>
+          </a:prstGeom>
+          <a:solidFill>
+            <a:schemeClr val="bg1"/>
+          </a:solidFill>
+          <a:ln w="9525" cap="flat" cmpd="sng" algn="ctr">
+            <a:solidFill>
+              <a:schemeClr val="tx1"/>
+            </a:solidFill>
+            <a:prstDash val="solid"/>
+            <a:round/>
+            <a:headEnd type="none" w="med" len="med"/>
+            <a:tailEnd type="none" w="med" len="med"/>
+          </a:ln>
+          <a:effectLst/>
+        </p:spPr>
+        <p:txBody>
+          <a:bodyPr vert="horz" wrap="square" lIns="91440" tIns="45720" rIns="91440" bIns="45720" numCol="1" rtlCol="0" anchor="ctr" anchorCtr="0" compatLnSpc="1">
+            <a:prstTxWarp prst="textNoShape">
+              <a:avLst/>
+            </a:prstTxWarp>
+            <a:spAutoFit/>
+          </a:bodyPr>
+          <a:lstStyle/>
+          <a:p>
+            <a:pPr marL="0" marR="0" indent="0" algn="ctr" defTabSz="914400" rtl="0" eaLnBrk="1" fontAlgn="base" latinLnBrk="1" hangingPunct="1">
+              <a:lnSpc>
+                <a:spcPct val="100000"/>
+              </a:lnSpc>
+              <a:spcBef>
+                <a:spcPct val="50000"/>
+              </a:spcBef>
+              <a:spcAft>
+                <a:spcPct val="0"/>
+              </a:spcAft>
+              <a:buClrTx/>
+              <a:buSzTx/>
+              <a:buFontTx/>
+              <a:buNone/>
+              <a:tabLst/>
+            </a:pPr>
+            <a:endParaRPr kumimoji="1" lang="ko-KR" altLang="en-US" sz="800" b="0" i="0" u="none" strike="noStrike" cap="none" normalizeH="0" baseline="0" dirty="0">
+              <a:ln>
+                <a:noFill/>
+              </a:ln>
+              <a:solidFill>
+                <a:schemeClr val="tx1"/>
+              </a:solidFill>
+              <a:effectLst/>
+              <a:latin typeface="굴림" pitchFamily="50" charset="-127"/>
+              <a:ea typeface="굴림" pitchFamily="50" charset="-127"/>
+            </a:endParaRPr>
+          </a:p>
+        </p:txBody>
+      </p:sp>
+      <p:cxnSp>
+        <p:nvCxnSpPr>
+          <p:cNvPr id="17" name="직선 연결선 16">
+            <a:extLst>
+              <a:ext uri="{FF2B5EF4-FFF2-40B4-BE49-F238E27FC236}">
+                <a16:creationId xmlns:a16="http://schemas.microsoft.com/office/drawing/2014/main" id="{3D33B6B1-2E8F-6C6A-F29C-F13D8205B356}"/>
+              </a:ext>
+            </a:extLst>
+          </p:cNvPr>
+          <p:cNvCxnSpPr>
+            <a:cxnSpLocks/>
+          </p:cNvCxnSpPr>
+          <p:nvPr/>
+        </p:nvCxnSpPr>
+        <p:spPr bwMode="auto">
+          <a:xfrm>
+            <a:off x="2384143" y="1275606"/>
+            <a:ext cx="4060065" cy="15065"/>
+          </a:xfrm>
+          <a:prstGeom prst="line">
+            <a:avLst/>
+          </a:prstGeom>
+          <a:noFill/>
+          <a:ln w="9525" cap="flat" cmpd="sng" algn="ctr">
+            <a:solidFill>
+              <a:schemeClr val="tx1"/>
+            </a:solidFill>
+            <a:prstDash val="solid"/>
+            <a:round/>
+            <a:headEnd type="none" w="med" len="med"/>
+            <a:tailEnd type="none" w="med" len="med"/>
+          </a:ln>
+          <a:effectLst/>
+        </p:spPr>
+      </p:cxnSp>
+      <p:sp>
+        <p:nvSpPr>
+          <p:cNvPr id="14" name="TextBox 13">
+            <a:extLst>
+              <a:ext uri="{FF2B5EF4-FFF2-40B4-BE49-F238E27FC236}">
+                <a16:creationId xmlns:a16="http://schemas.microsoft.com/office/drawing/2014/main" id="{570447CD-A294-DB53-12B3-A822CFFAF3C5}"/>
+              </a:ext>
+            </a:extLst>
+          </p:cNvPr>
+          <p:cNvSpPr txBox="1"/>
+          <p:nvPr/>
+        </p:nvSpPr>
+        <p:spPr>
+          <a:xfrm>
+            <a:off x="5796136" y="772130"/>
+            <a:ext cx="663963" cy="200055"/>
+          </a:xfrm>
+          <a:prstGeom prst="rect">
+            <a:avLst/>
+          </a:prstGeom>
+          <a:noFill/>
+        </p:spPr>
+        <p:txBody>
+          <a:bodyPr wrap="none" rtlCol="0">
+            <a:spAutoFit/>
+          </a:bodyPr>
+          <a:lstStyle/>
+          <a:p>
+            <a:r>
+              <a:rPr lang="ko-KR" altLang="en-US" sz="700" b="1" dirty="0"/>
+              <a:t>게시판 관리</a:t>
+            </a:r>
+          </a:p>
+        </p:txBody>
+      </p:sp>
+      <p:sp>
+        <p:nvSpPr>
+          <p:cNvPr id="18" name="TextBox 17">
+            <a:extLst>
+              <a:ext uri="{FF2B5EF4-FFF2-40B4-BE49-F238E27FC236}">
+                <a16:creationId xmlns:a16="http://schemas.microsoft.com/office/drawing/2014/main" id="{084B36F3-4D55-B902-7E95-0FAAD63C994D}"/>
+              </a:ext>
+            </a:extLst>
+          </p:cNvPr>
+          <p:cNvSpPr txBox="1"/>
+          <p:nvPr/>
+        </p:nvSpPr>
+        <p:spPr>
+          <a:xfrm>
+            <a:off x="5463866" y="771550"/>
+            <a:ext cx="404278" cy="184666"/>
+          </a:xfrm>
+          <a:prstGeom prst="rect">
+            <a:avLst/>
+          </a:prstGeom>
+          <a:noFill/>
+        </p:spPr>
+        <p:txBody>
+          <a:bodyPr wrap="none" rtlCol="0">
+            <a:spAutoFit/>
+          </a:bodyPr>
+          <a:lstStyle/>
+          <a:p>
+            <a:r>
+              <a:rPr lang="en-US" altLang="ko-KR" sz="600" dirty="0"/>
+              <a:t>admin</a:t>
+            </a:r>
+            <a:endParaRPr lang="ko-KR" altLang="en-US" sz="600" dirty="0"/>
+          </a:p>
+        </p:txBody>
+      </p:sp>
     </p:spTree>
     <p:extLst>
       <p:ext uri="{BB962C8B-B14F-4D97-AF65-F5344CB8AC3E}">
-        <p14:creationId xmlns:p14="http://schemas.microsoft.com/office/powerpoint/2010/main" val="3110772023"/>
+        <p14:creationId xmlns:p14="http://schemas.microsoft.com/office/powerpoint/2010/main" val="1884974255"/>
       </p:ext>
     </p:extLst>
   </p:cSld>
@@ -13192,734 +13656,6 @@
 </file>
 
 <file path=ppt/slides/slide7.xml><?xml version="1.0" encoding="utf-8"?>
-<p:sld xmlns:a="http://schemas.openxmlformats.org/drawingml/2006/main" xmlns:r="http://schemas.openxmlformats.org/officeDocument/2006/relationships" xmlns:p="http://schemas.openxmlformats.org/presentationml/2006/main">
-  <p:cSld>
-    <p:spTree>
-      <p:nvGrpSpPr>
-        <p:cNvPr id="1" name="">
-          <a:extLst>
-            <a:ext uri="{FF2B5EF4-FFF2-40B4-BE49-F238E27FC236}">
-              <a16:creationId xmlns:a16="http://schemas.microsoft.com/office/drawing/2014/main" id="{EE3FBB38-0B64-2A7F-891A-A9CEDDE5EA01}"/>
-            </a:ext>
-          </a:extLst>
-        </p:cNvPr>
-        <p:cNvGrpSpPr/>
-        <p:nvPr/>
-      </p:nvGrpSpPr>
-      <p:grpSpPr>
-        <a:xfrm>
-          <a:off x="0" y="0"/>
-          <a:ext cx="0" cy="0"/>
-          <a:chOff x="0" y="0"/>
-          <a:chExt cx="0" cy="0"/>
-        </a:xfrm>
-      </p:grpSpPr>
-      <p:sp>
-        <p:nvSpPr>
-          <p:cNvPr id="2" name="내용 개체 틀 1">
-            <a:extLst>
-              <a:ext uri="{FF2B5EF4-FFF2-40B4-BE49-F238E27FC236}">
-                <a16:creationId xmlns:a16="http://schemas.microsoft.com/office/drawing/2014/main" id="{23E95E1E-A98C-9C67-915D-09A9D925856F}"/>
-              </a:ext>
-            </a:extLst>
-          </p:cNvPr>
-          <p:cNvSpPr>
-            <a:spLocks noGrp="1"/>
-          </p:cNvSpPr>
-          <p:nvPr>
-            <p:ph idx="1"/>
-          </p:nvPr>
-        </p:nvSpPr>
-        <p:spPr/>
-        <p:txBody>
-          <a:bodyPr/>
-          <a:lstStyle/>
-          <a:p>
-            <a:endParaRPr lang="ko-KR" altLang="en-US" dirty="0"/>
-          </a:p>
-        </p:txBody>
-      </p:sp>
-      <p:sp>
-        <p:nvSpPr>
-          <p:cNvPr id="3" name="텍스트 개체 틀 2">
-            <a:extLst>
-              <a:ext uri="{FF2B5EF4-FFF2-40B4-BE49-F238E27FC236}">
-                <a16:creationId xmlns:a16="http://schemas.microsoft.com/office/drawing/2014/main" id="{61BF379C-79BE-0A2C-610F-813BB58BDD2A}"/>
-              </a:ext>
-            </a:extLst>
-          </p:cNvPr>
-          <p:cNvSpPr>
-            <a:spLocks noGrp="1"/>
-          </p:cNvSpPr>
-          <p:nvPr>
-            <p:ph type="body" sz="quarter" idx="11"/>
-          </p:nvPr>
-        </p:nvSpPr>
-        <p:spPr/>
-        <p:txBody>
-          <a:bodyPr/>
-          <a:lstStyle/>
-          <a:p>
-            <a:endParaRPr lang="ko-KR" altLang="en-US"/>
-          </a:p>
-        </p:txBody>
-      </p:sp>
-      <p:sp>
-        <p:nvSpPr>
-          <p:cNvPr id="4" name="텍스트 개체 틀 3">
-            <a:extLst>
-              <a:ext uri="{FF2B5EF4-FFF2-40B4-BE49-F238E27FC236}">
-                <a16:creationId xmlns:a16="http://schemas.microsoft.com/office/drawing/2014/main" id="{A415244F-AD72-99E7-8694-6A73B3FAE7AB}"/>
-              </a:ext>
-            </a:extLst>
-          </p:cNvPr>
-          <p:cNvSpPr>
-            <a:spLocks noGrp="1"/>
-          </p:cNvSpPr>
-          <p:nvPr>
-            <p:ph type="body" sz="quarter" idx="12"/>
-          </p:nvPr>
-        </p:nvSpPr>
-        <p:spPr/>
-        <p:txBody>
-          <a:bodyPr/>
-          <a:lstStyle/>
-          <a:p>
-            <a:r>
-              <a:rPr lang="en-US" altLang="ko-KR" sz="1200" b="1" dirty="0"/>
-              <a:t>1</a:t>
-            </a:r>
-            <a:endParaRPr lang="ko-KR" altLang="en-US" sz="1200" b="1" dirty="0"/>
-          </a:p>
-        </p:txBody>
-      </p:sp>
-      <p:sp>
-        <p:nvSpPr>
-          <p:cNvPr id="5" name="텍스트 개체 틀 4">
-            <a:extLst>
-              <a:ext uri="{FF2B5EF4-FFF2-40B4-BE49-F238E27FC236}">
-                <a16:creationId xmlns:a16="http://schemas.microsoft.com/office/drawing/2014/main" id="{194A2BE7-99D3-A9B2-AE12-C682FDD43369}"/>
-              </a:ext>
-            </a:extLst>
-          </p:cNvPr>
-          <p:cNvSpPr>
-            <a:spLocks noGrp="1"/>
-          </p:cNvSpPr>
-          <p:nvPr>
-            <p:ph type="body" sz="quarter" idx="13"/>
-          </p:nvPr>
-        </p:nvSpPr>
-        <p:spPr/>
-        <p:txBody>
-          <a:bodyPr/>
-          <a:lstStyle/>
-          <a:p>
-            <a:r>
-              <a:rPr lang="en-US" altLang="ko-KR" sz="1400" b="1" dirty="0"/>
-              <a:t>home.html</a:t>
-            </a:r>
-            <a:endParaRPr lang="ko-KR" altLang="en-US" sz="1400" b="1" dirty="0"/>
-          </a:p>
-        </p:txBody>
-      </p:sp>
-      <p:sp>
-        <p:nvSpPr>
-          <p:cNvPr id="6" name="텍스트 개체 틀 5">
-            <a:extLst>
-              <a:ext uri="{FF2B5EF4-FFF2-40B4-BE49-F238E27FC236}">
-                <a16:creationId xmlns:a16="http://schemas.microsoft.com/office/drawing/2014/main" id="{D985E3DC-8BBB-4E0F-D38E-BD764CAB51C3}"/>
-              </a:ext>
-            </a:extLst>
-          </p:cNvPr>
-          <p:cNvSpPr>
-            <a:spLocks noGrp="1"/>
-          </p:cNvSpPr>
-          <p:nvPr>
-            <p:ph type="body" sz="quarter" idx="14"/>
-          </p:nvPr>
-        </p:nvSpPr>
-        <p:spPr>
-          <a:xfrm>
-            <a:off x="6412673" y="185758"/>
-            <a:ext cx="1559133" cy="301114"/>
-          </a:xfrm>
-        </p:spPr>
-        <p:txBody>
-          <a:bodyPr/>
-          <a:lstStyle/>
-          <a:p>
-            <a:r>
-              <a:rPr lang="ko-KR" altLang="en-US" sz="1200" b="1" dirty="0"/>
-              <a:t>박현진</a:t>
-            </a:r>
-            <a:r>
-              <a:rPr lang="en-US" altLang="ko-KR" sz="1200" b="1" dirty="0"/>
-              <a:t>(12223741)</a:t>
-            </a:r>
-            <a:endParaRPr lang="ko-KR" altLang="en-US" sz="1200" b="1" dirty="0"/>
-          </a:p>
-        </p:txBody>
-      </p:sp>
-      <p:sp>
-        <p:nvSpPr>
-          <p:cNvPr id="7" name="텍스트 개체 틀 6">
-            <a:extLst>
-              <a:ext uri="{FF2B5EF4-FFF2-40B4-BE49-F238E27FC236}">
-                <a16:creationId xmlns:a16="http://schemas.microsoft.com/office/drawing/2014/main" id="{D6A9B076-4EE6-3BE3-4D41-1AE43509EAB5}"/>
-              </a:ext>
-            </a:extLst>
-          </p:cNvPr>
-          <p:cNvSpPr>
-            <a:spLocks noGrp="1"/>
-          </p:cNvSpPr>
-          <p:nvPr>
-            <p:ph type="body" sz="quarter" idx="15"/>
-          </p:nvPr>
-        </p:nvSpPr>
-        <p:spPr/>
-        <p:txBody>
-          <a:bodyPr/>
-          <a:lstStyle/>
-          <a:p>
-            <a:r>
-              <a:rPr lang="en-US" altLang="ko-KR" sz="1200" b="1" dirty="0"/>
-              <a:t>2025.03.18</a:t>
-            </a:r>
-            <a:endParaRPr lang="ko-KR" altLang="en-US" sz="1200" b="1" dirty="0"/>
-          </a:p>
-        </p:txBody>
-      </p:sp>
-      <p:sp>
-        <p:nvSpPr>
-          <p:cNvPr id="4103" name="타원 7">
-            <a:extLst>
-              <a:ext uri="{FF2B5EF4-FFF2-40B4-BE49-F238E27FC236}">
-                <a16:creationId xmlns:a16="http://schemas.microsoft.com/office/drawing/2014/main" id="{6ACC0B1E-8549-8741-D282-888743E69D28}"/>
-              </a:ext>
-            </a:extLst>
-          </p:cNvPr>
-          <p:cNvSpPr>
-            <a:spLocks noChangeArrowheads="1"/>
-          </p:cNvSpPr>
-          <p:nvPr/>
-        </p:nvSpPr>
-        <p:spPr bwMode="auto">
-          <a:xfrm>
-            <a:off x="107951" y="5019675"/>
-            <a:ext cx="180000" cy="180000"/>
-          </a:xfrm>
-          <a:prstGeom prst="ellipse">
-            <a:avLst/>
-          </a:prstGeom>
-          <a:solidFill>
-            <a:srgbClr val="FFFF00"/>
-          </a:solidFill>
-          <a:ln w="9525" algn="ctr">
-            <a:solidFill>
-              <a:schemeClr val="tx1"/>
-            </a:solidFill>
-            <a:round/>
-            <a:headEnd/>
-            <a:tailEnd/>
-          </a:ln>
-        </p:spPr>
-        <p:txBody>
-          <a:bodyPr wrap="none" lIns="0" tIns="0" rIns="0" bIns="0" anchor="ctr"/>
-          <a:lstStyle>
-            <a:lvl1pPr eaLnBrk="0" hangingPunct="0">
-              <a:defRPr kumimoji="1" sz="800">
-                <a:solidFill>
-                  <a:schemeClr val="tx1"/>
-                </a:solidFill>
-                <a:latin typeface="굴림" pitchFamily="50" charset="-127"/>
-                <a:ea typeface="굴림" pitchFamily="50" charset="-127"/>
-              </a:defRPr>
-            </a:lvl1pPr>
-            <a:lvl2pPr marL="742950" indent="-285750" eaLnBrk="0" hangingPunct="0">
-              <a:defRPr kumimoji="1" sz="800">
-                <a:solidFill>
-                  <a:schemeClr val="tx1"/>
-                </a:solidFill>
-                <a:latin typeface="굴림" pitchFamily="50" charset="-127"/>
-                <a:ea typeface="굴림" pitchFamily="50" charset="-127"/>
-              </a:defRPr>
-            </a:lvl2pPr>
-            <a:lvl3pPr marL="1143000" indent="-228600" eaLnBrk="0" hangingPunct="0">
-              <a:defRPr kumimoji="1" sz="800">
-                <a:solidFill>
-                  <a:schemeClr val="tx1"/>
-                </a:solidFill>
-                <a:latin typeface="굴림" pitchFamily="50" charset="-127"/>
-                <a:ea typeface="굴림" pitchFamily="50" charset="-127"/>
-              </a:defRPr>
-            </a:lvl3pPr>
-            <a:lvl4pPr marL="1600200" indent="-228600" eaLnBrk="0" hangingPunct="0">
-              <a:defRPr kumimoji="1" sz="800">
-                <a:solidFill>
-                  <a:schemeClr val="tx1"/>
-                </a:solidFill>
-                <a:latin typeface="굴림" pitchFamily="50" charset="-127"/>
-                <a:ea typeface="굴림" pitchFamily="50" charset="-127"/>
-              </a:defRPr>
-            </a:lvl4pPr>
-            <a:lvl5pPr marL="2057400" indent="-228600" eaLnBrk="0" hangingPunct="0">
-              <a:defRPr kumimoji="1" sz="800">
-                <a:solidFill>
-                  <a:schemeClr val="tx1"/>
-                </a:solidFill>
-                <a:latin typeface="굴림" pitchFamily="50" charset="-127"/>
-                <a:ea typeface="굴림" pitchFamily="50" charset="-127"/>
-              </a:defRPr>
-            </a:lvl5pPr>
-            <a:lvl6pPr marL="2514600" indent="-228600" algn="ctr" eaLnBrk="0" fontAlgn="base" hangingPunct="0">
-              <a:spcBef>
-                <a:spcPct val="50000"/>
-              </a:spcBef>
-              <a:spcAft>
-                <a:spcPct val="0"/>
-              </a:spcAft>
-              <a:defRPr kumimoji="1" sz="800">
-                <a:solidFill>
-                  <a:schemeClr val="tx1"/>
-                </a:solidFill>
-                <a:latin typeface="굴림" pitchFamily="50" charset="-127"/>
-                <a:ea typeface="굴림" pitchFamily="50" charset="-127"/>
-              </a:defRPr>
-            </a:lvl6pPr>
-            <a:lvl7pPr marL="2971800" indent="-228600" algn="ctr" eaLnBrk="0" fontAlgn="base" hangingPunct="0">
-              <a:spcBef>
-                <a:spcPct val="50000"/>
-              </a:spcBef>
-              <a:spcAft>
-                <a:spcPct val="0"/>
-              </a:spcAft>
-              <a:defRPr kumimoji="1" sz="800">
-                <a:solidFill>
-                  <a:schemeClr val="tx1"/>
-                </a:solidFill>
-                <a:latin typeface="굴림" pitchFamily="50" charset="-127"/>
-                <a:ea typeface="굴림" pitchFamily="50" charset="-127"/>
-              </a:defRPr>
-            </a:lvl7pPr>
-            <a:lvl8pPr marL="3429000" indent="-228600" algn="ctr" eaLnBrk="0" fontAlgn="base" hangingPunct="0">
-              <a:spcBef>
-                <a:spcPct val="50000"/>
-              </a:spcBef>
-              <a:spcAft>
-                <a:spcPct val="0"/>
-              </a:spcAft>
-              <a:defRPr kumimoji="1" sz="800">
-                <a:solidFill>
-                  <a:schemeClr val="tx1"/>
-                </a:solidFill>
-                <a:latin typeface="굴림" pitchFamily="50" charset="-127"/>
-                <a:ea typeface="굴림" pitchFamily="50" charset="-127"/>
-              </a:defRPr>
-            </a:lvl8pPr>
-            <a:lvl9pPr marL="3886200" indent="-228600" algn="ctr" eaLnBrk="0" fontAlgn="base" hangingPunct="0">
-              <a:spcBef>
-                <a:spcPct val="50000"/>
-              </a:spcBef>
-              <a:spcAft>
-                <a:spcPct val="0"/>
-              </a:spcAft>
-              <a:defRPr kumimoji="1" sz="800">
-                <a:solidFill>
-                  <a:schemeClr val="tx1"/>
-                </a:solidFill>
-                <a:latin typeface="굴림" pitchFamily="50" charset="-127"/>
-                <a:ea typeface="굴림" pitchFamily="50" charset="-127"/>
-              </a:defRPr>
-            </a:lvl9pPr>
-          </a:lstStyle>
-          <a:p>
-            <a:pPr eaLnBrk="1" hangingPunct="1"/>
-            <a:r>
-              <a:rPr lang="en-US" altLang="ko-KR" b="1"/>
-              <a:t>1</a:t>
-            </a:r>
-            <a:endParaRPr lang="ko-KR" altLang="en-US" b="1"/>
-          </a:p>
-        </p:txBody>
-      </p:sp>
-    </p:spTree>
-    <p:extLst>
-      <p:ext uri="{BB962C8B-B14F-4D97-AF65-F5344CB8AC3E}">
-        <p14:creationId xmlns:p14="http://schemas.microsoft.com/office/powerpoint/2010/main" val="4252926795"/>
-      </p:ext>
-    </p:extLst>
-  </p:cSld>
-  <p:clrMapOvr>
-    <a:masterClrMapping/>
-  </p:clrMapOvr>
-</p:sld>
-</file>
-
-<file path=ppt/slides/slide8.xml><?xml version="1.0" encoding="utf-8"?>
-<p:sld xmlns:a="http://schemas.openxmlformats.org/drawingml/2006/main" xmlns:r="http://schemas.openxmlformats.org/officeDocument/2006/relationships" xmlns:p="http://schemas.openxmlformats.org/presentationml/2006/main">
-  <p:cSld>
-    <p:spTree>
-      <p:nvGrpSpPr>
-        <p:cNvPr id="1" name="">
-          <a:extLst>
-            <a:ext uri="{FF2B5EF4-FFF2-40B4-BE49-F238E27FC236}">
-              <a16:creationId xmlns:a16="http://schemas.microsoft.com/office/drawing/2014/main" id="{A7E7D7E8-C513-938C-8EDF-0B70EF4A8DA9}"/>
-            </a:ext>
-          </a:extLst>
-        </p:cNvPr>
-        <p:cNvGrpSpPr/>
-        <p:nvPr/>
-      </p:nvGrpSpPr>
-      <p:grpSpPr>
-        <a:xfrm>
-          <a:off x="0" y="0"/>
-          <a:ext cx="0" cy="0"/>
-          <a:chOff x="0" y="0"/>
-          <a:chExt cx="0" cy="0"/>
-        </a:xfrm>
-      </p:grpSpPr>
-      <p:sp>
-        <p:nvSpPr>
-          <p:cNvPr id="2" name="내용 개체 틀 1">
-            <a:extLst>
-              <a:ext uri="{FF2B5EF4-FFF2-40B4-BE49-F238E27FC236}">
-                <a16:creationId xmlns:a16="http://schemas.microsoft.com/office/drawing/2014/main" id="{814E29B7-1C6A-0FDA-576A-43FD0BC4B49A}"/>
-              </a:ext>
-            </a:extLst>
-          </p:cNvPr>
-          <p:cNvSpPr>
-            <a:spLocks noGrp="1"/>
-          </p:cNvSpPr>
-          <p:nvPr>
-            <p:ph idx="1"/>
-          </p:nvPr>
-        </p:nvSpPr>
-        <p:spPr/>
-        <p:txBody>
-          <a:bodyPr/>
-          <a:lstStyle/>
-          <a:p>
-            <a:endParaRPr lang="ko-KR" altLang="en-US" dirty="0"/>
-          </a:p>
-        </p:txBody>
-      </p:sp>
-      <p:sp>
-        <p:nvSpPr>
-          <p:cNvPr id="3" name="텍스트 개체 틀 2">
-            <a:extLst>
-              <a:ext uri="{FF2B5EF4-FFF2-40B4-BE49-F238E27FC236}">
-                <a16:creationId xmlns:a16="http://schemas.microsoft.com/office/drawing/2014/main" id="{A5B1DC3B-84AA-F082-1AC5-617267723D92}"/>
-              </a:ext>
-            </a:extLst>
-          </p:cNvPr>
-          <p:cNvSpPr>
-            <a:spLocks noGrp="1"/>
-          </p:cNvSpPr>
-          <p:nvPr>
-            <p:ph type="body" sz="quarter" idx="11"/>
-          </p:nvPr>
-        </p:nvSpPr>
-        <p:spPr/>
-        <p:txBody>
-          <a:bodyPr/>
-          <a:lstStyle/>
-          <a:p>
-            <a:endParaRPr lang="ko-KR" altLang="en-US"/>
-          </a:p>
-        </p:txBody>
-      </p:sp>
-      <p:sp>
-        <p:nvSpPr>
-          <p:cNvPr id="4" name="텍스트 개체 틀 3">
-            <a:extLst>
-              <a:ext uri="{FF2B5EF4-FFF2-40B4-BE49-F238E27FC236}">
-                <a16:creationId xmlns:a16="http://schemas.microsoft.com/office/drawing/2014/main" id="{B69E18F4-08C0-A12B-2714-BA168424F7C1}"/>
-              </a:ext>
-            </a:extLst>
-          </p:cNvPr>
-          <p:cNvSpPr>
-            <a:spLocks noGrp="1"/>
-          </p:cNvSpPr>
-          <p:nvPr>
-            <p:ph type="body" sz="quarter" idx="12"/>
-          </p:nvPr>
-        </p:nvSpPr>
-        <p:spPr/>
-        <p:txBody>
-          <a:bodyPr/>
-          <a:lstStyle/>
-          <a:p>
-            <a:r>
-              <a:rPr lang="en-US" altLang="ko-KR" sz="1200" b="1" dirty="0"/>
-              <a:t>1</a:t>
-            </a:r>
-            <a:endParaRPr lang="ko-KR" altLang="en-US" sz="1200" b="1" dirty="0"/>
-          </a:p>
-        </p:txBody>
-      </p:sp>
-      <p:sp>
-        <p:nvSpPr>
-          <p:cNvPr id="5" name="텍스트 개체 틀 4">
-            <a:extLst>
-              <a:ext uri="{FF2B5EF4-FFF2-40B4-BE49-F238E27FC236}">
-                <a16:creationId xmlns:a16="http://schemas.microsoft.com/office/drawing/2014/main" id="{E8D3CB44-679F-33D3-B4D7-3150085606C6}"/>
-              </a:ext>
-            </a:extLst>
-          </p:cNvPr>
-          <p:cNvSpPr>
-            <a:spLocks noGrp="1"/>
-          </p:cNvSpPr>
-          <p:nvPr>
-            <p:ph type="body" sz="quarter" idx="13"/>
-          </p:nvPr>
-        </p:nvSpPr>
-        <p:spPr/>
-        <p:txBody>
-          <a:bodyPr/>
-          <a:lstStyle/>
-          <a:p>
-            <a:r>
-              <a:rPr lang="en-US" altLang="ko-KR" sz="1400" b="1" dirty="0"/>
-              <a:t>home.html</a:t>
-            </a:r>
-            <a:endParaRPr lang="ko-KR" altLang="en-US" sz="1400" b="1" dirty="0"/>
-          </a:p>
-        </p:txBody>
-      </p:sp>
-      <p:sp>
-        <p:nvSpPr>
-          <p:cNvPr id="6" name="텍스트 개체 틀 5">
-            <a:extLst>
-              <a:ext uri="{FF2B5EF4-FFF2-40B4-BE49-F238E27FC236}">
-                <a16:creationId xmlns:a16="http://schemas.microsoft.com/office/drawing/2014/main" id="{A768708C-B965-50F0-058E-222B19BFA647}"/>
-              </a:ext>
-            </a:extLst>
-          </p:cNvPr>
-          <p:cNvSpPr>
-            <a:spLocks noGrp="1"/>
-          </p:cNvSpPr>
-          <p:nvPr>
-            <p:ph type="body" sz="quarter" idx="14"/>
-          </p:nvPr>
-        </p:nvSpPr>
-        <p:spPr>
-          <a:xfrm>
-            <a:off x="6412673" y="185758"/>
-            <a:ext cx="1559133" cy="301114"/>
-          </a:xfrm>
-        </p:spPr>
-        <p:txBody>
-          <a:bodyPr/>
-          <a:lstStyle/>
-          <a:p>
-            <a:r>
-              <a:rPr lang="ko-KR" altLang="en-US" sz="1200" b="1" dirty="0"/>
-              <a:t>박현진</a:t>
-            </a:r>
-            <a:r>
-              <a:rPr lang="en-US" altLang="ko-KR" sz="1200" b="1" dirty="0"/>
-              <a:t>(12223741)</a:t>
-            </a:r>
-            <a:endParaRPr lang="ko-KR" altLang="en-US" sz="1200" b="1" dirty="0"/>
-          </a:p>
-        </p:txBody>
-      </p:sp>
-      <p:sp>
-        <p:nvSpPr>
-          <p:cNvPr id="7" name="텍스트 개체 틀 6">
-            <a:extLst>
-              <a:ext uri="{FF2B5EF4-FFF2-40B4-BE49-F238E27FC236}">
-                <a16:creationId xmlns:a16="http://schemas.microsoft.com/office/drawing/2014/main" id="{08F65B38-9411-4670-13FD-2874C56EB126}"/>
-              </a:ext>
-            </a:extLst>
-          </p:cNvPr>
-          <p:cNvSpPr>
-            <a:spLocks noGrp="1"/>
-          </p:cNvSpPr>
-          <p:nvPr>
-            <p:ph type="body" sz="quarter" idx="15"/>
-          </p:nvPr>
-        </p:nvSpPr>
-        <p:spPr/>
-        <p:txBody>
-          <a:bodyPr/>
-          <a:lstStyle/>
-          <a:p>
-            <a:r>
-              <a:rPr lang="en-US" altLang="ko-KR" sz="1200" b="1" dirty="0"/>
-              <a:t>2025.03.18</a:t>
-            </a:r>
-            <a:endParaRPr lang="ko-KR" altLang="en-US" sz="1200" b="1" dirty="0"/>
-          </a:p>
-        </p:txBody>
-      </p:sp>
-      <p:sp>
-        <p:nvSpPr>
-          <p:cNvPr id="4103" name="타원 7">
-            <a:extLst>
-              <a:ext uri="{FF2B5EF4-FFF2-40B4-BE49-F238E27FC236}">
-                <a16:creationId xmlns:a16="http://schemas.microsoft.com/office/drawing/2014/main" id="{7BF85165-CAB7-D09A-A863-ECB7AF92F5DD}"/>
-              </a:ext>
-            </a:extLst>
-          </p:cNvPr>
-          <p:cNvSpPr>
-            <a:spLocks noChangeArrowheads="1"/>
-          </p:cNvSpPr>
-          <p:nvPr/>
-        </p:nvSpPr>
-        <p:spPr bwMode="auto">
-          <a:xfrm>
-            <a:off x="107951" y="5019675"/>
-            <a:ext cx="180000" cy="180000"/>
-          </a:xfrm>
-          <a:prstGeom prst="ellipse">
-            <a:avLst/>
-          </a:prstGeom>
-          <a:solidFill>
-            <a:srgbClr val="FFFF00"/>
-          </a:solidFill>
-          <a:ln w="9525" algn="ctr">
-            <a:solidFill>
-              <a:schemeClr val="tx1"/>
-            </a:solidFill>
-            <a:round/>
-            <a:headEnd/>
-            <a:tailEnd/>
-          </a:ln>
-        </p:spPr>
-        <p:txBody>
-          <a:bodyPr wrap="none" lIns="0" tIns="0" rIns="0" bIns="0" anchor="ctr"/>
-          <a:lstStyle>
-            <a:lvl1pPr eaLnBrk="0" hangingPunct="0">
-              <a:defRPr kumimoji="1" sz="800">
-                <a:solidFill>
-                  <a:schemeClr val="tx1"/>
-                </a:solidFill>
-                <a:latin typeface="굴림" pitchFamily="50" charset="-127"/>
-                <a:ea typeface="굴림" pitchFamily="50" charset="-127"/>
-              </a:defRPr>
-            </a:lvl1pPr>
-            <a:lvl2pPr marL="742950" indent="-285750" eaLnBrk="0" hangingPunct="0">
-              <a:defRPr kumimoji="1" sz="800">
-                <a:solidFill>
-                  <a:schemeClr val="tx1"/>
-                </a:solidFill>
-                <a:latin typeface="굴림" pitchFamily="50" charset="-127"/>
-                <a:ea typeface="굴림" pitchFamily="50" charset="-127"/>
-              </a:defRPr>
-            </a:lvl2pPr>
-            <a:lvl3pPr marL="1143000" indent="-228600" eaLnBrk="0" hangingPunct="0">
-              <a:defRPr kumimoji="1" sz="800">
-                <a:solidFill>
-                  <a:schemeClr val="tx1"/>
-                </a:solidFill>
-                <a:latin typeface="굴림" pitchFamily="50" charset="-127"/>
-                <a:ea typeface="굴림" pitchFamily="50" charset="-127"/>
-              </a:defRPr>
-            </a:lvl3pPr>
-            <a:lvl4pPr marL="1600200" indent="-228600" eaLnBrk="0" hangingPunct="0">
-              <a:defRPr kumimoji="1" sz="800">
-                <a:solidFill>
-                  <a:schemeClr val="tx1"/>
-                </a:solidFill>
-                <a:latin typeface="굴림" pitchFamily="50" charset="-127"/>
-                <a:ea typeface="굴림" pitchFamily="50" charset="-127"/>
-              </a:defRPr>
-            </a:lvl4pPr>
-            <a:lvl5pPr marL="2057400" indent="-228600" eaLnBrk="0" hangingPunct="0">
-              <a:defRPr kumimoji="1" sz="800">
-                <a:solidFill>
-                  <a:schemeClr val="tx1"/>
-                </a:solidFill>
-                <a:latin typeface="굴림" pitchFamily="50" charset="-127"/>
-                <a:ea typeface="굴림" pitchFamily="50" charset="-127"/>
-              </a:defRPr>
-            </a:lvl5pPr>
-            <a:lvl6pPr marL="2514600" indent="-228600" algn="ctr" eaLnBrk="0" fontAlgn="base" hangingPunct="0">
-              <a:spcBef>
-                <a:spcPct val="50000"/>
-              </a:spcBef>
-              <a:spcAft>
-                <a:spcPct val="0"/>
-              </a:spcAft>
-              <a:defRPr kumimoji="1" sz="800">
-                <a:solidFill>
-                  <a:schemeClr val="tx1"/>
-                </a:solidFill>
-                <a:latin typeface="굴림" pitchFamily="50" charset="-127"/>
-                <a:ea typeface="굴림" pitchFamily="50" charset="-127"/>
-              </a:defRPr>
-            </a:lvl6pPr>
-            <a:lvl7pPr marL="2971800" indent="-228600" algn="ctr" eaLnBrk="0" fontAlgn="base" hangingPunct="0">
-              <a:spcBef>
-                <a:spcPct val="50000"/>
-              </a:spcBef>
-              <a:spcAft>
-                <a:spcPct val="0"/>
-              </a:spcAft>
-              <a:defRPr kumimoji="1" sz="800">
-                <a:solidFill>
-                  <a:schemeClr val="tx1"/>
-                </a:solidFill>
-                <a:latin typeface="굴림" pitchFamily="50" charset="-127"/>
-                <a:ea typeface="굴림" pitchFamily="50" charset="-127"/>
-              </a:defRPr>
-            </a:lvl7pPr>
-            <a:lvl8pPr marL="3429000" indent="-228600" algn="ctr" eaLnBrk="0" fontAlgn="base" hangingPunct="0">
-              <a:spcBef>
-                <a:spcPct val="50000"/>
-              </a:spcBef>
-              <a:spcAft>
-                <a:spcPct val="0"/>
-              </a:spcAft>
-              <a:defRPr kumimoji="1" sz="800">
-                <a:solidFill>
-                  <a:schemeClr val="tx1"/>
-                </a:solidFill>
-                <a:latin typeface="굴림" pitchFamily="50" charset="-127"/>
-                <a:ea typeface="굴림" pitchFamily="50" charset="-127"/>
-              </a:defRPr>
-            </a:lvl8pPr>
-            <a:lvl9pPr marL="3886200" indent="-228600" algn="ctr" eaLnBrk="0" fontAlgn="base" hangingPunct="0">
-              <a:spcBef>
-                <a:spcPct val="50000"/>
-              </a:spcBef>
-              <a:spcAft>
-                <a:spcPct val="0"/>
-              </a:spcAft>
-              <a:defRPr kumimoji="1" sz="800">
-                <a:solidFill>
-                  <a:schemeClr val="tx1"/>
-                </a:solidFill>
-                <a:latin typeface="굴림" pitchFamily="50" charset="-127"/>
-                <a:ea typeface="굴림" pitchFamily="50" charset="-127"/>
-              </a:defRPr>
-            </a:lvl9pPr>
-          </a:lstStyle>
-          <a:p>
-            <a:pPr eaLnBrk="1" hangingPunct="1"/>
-            <a:r>
-              <a:rPr lang="en-US" altLang="ko-KR" b="1"/>
-              <a:t>1</a:t>
-            </a:r>
-            <a:endParaRPr lang="ko-KR" altLang="en-US" b="1"/>
-          </a:p>
-        </p:txBody>
-      </p:sp>
-    </p:spTree>
-    <p:extLst>
-      <p:ext uri="{BB962C8B-B14F-4D97-AF65-F5344CB8AC3E}">
-        <p14:creationId xmlns:p14="http://schemas.microsoft.com/office/powerpoint/2010/main" val="2300261211"/>
-      </p:ext>
-    </p:extLst>
-  </p:cSld>
-  <p:clrMapOvr>
-    <a:masterClrMapping/>
-  </p:clrMapOvr>
-</p:sld>
-</file>
-
-<file path=ppt/slides/slide9.xml><?xml version="1.0" encoding="utf-8"?>
 <p:sld xmlns:a="http://schemas.openxmlformats.org/drawingml/2006/main" xmlns:r="http://schemas.openxmlformats.org/officeDocument/2006/relationships" xmlns:p="http://schemas.openxmlformats.org/presentationml/2006/main">
   <p:cSld>
     <p:spTree>
@@ -13957,7 +13693,7 @@
           <a:bodyPr/>
           <a:lstStyle/>
           <a:p>
-            <a:endParaRPr lang="ko-KR" altLang="en-US"/>
+            <a:endParaRPr lang="ko-KR" altLang="en-US" dirty="0"/>
           </a:p>
         </p:txBody>
       </p:sp>
@@ -14231,10 +13967,10 @@
           <a:p>
             <a:pPr eaLnBrk="1" hangingPunct="1"/>
             <a:r>
-              <a:rPr lang="en-US" altLang="ko-KR" b="1"/>
+              <a:rPr lang="en-US" altLang="ko-KR" b="1" dirty="0"/>
               <a:t>1</a:t>
             </a:r>
-            <a:endParaRPr lang="ko-KR" altLang="en-US" b="1"/>
+            <a:endParaRPr lang="ko-KR" altLang="en-US" b="1" dirty="0"/>
           </a:p>
         </p:txBody>
       </p:sp>
@@ -14630,10 +14366,10 @@
           <a:p>
             <a:pPr eaLnBrk="1" hangingPunct="1"/>
             <a:r>
-              <a:rPr lang="en-US" altLang="ko-KR" b="1"/>
+              <a:rPr lang="en-US" altLang="ko-KR" b="1" dirty="0"/>
               <a:t>1</a:t>
             </a:r>
-            <a:endParaRPr lang="ko-KR" altLang="en-US" b="1"/>
+            <a:endParaRPr lang="ko-KR" altLang="en-US" b="1" dirty="0"/>
           </a:p>
         </p:txBody>
       </p:sp>
